--- a/BC_Project3_presentation.pptx
+++ b/BC_Project3_presentation.pptx
@@ -5495,7 +5495,7 @@
         </p:spPr>
         <p:txBody>
           <a:bodyPr vert="horz" lIns="91440" tIns="45720" rIns="91440" bIns="45720" rtlCol="0" anchor="ctr">
-            <a:normAutofit fontScale="62500" lnSpcReduction="20000"/>
+            <a:normAutofit fontScale="40000" lnSpcReduction="20000"/>
           </a:bodyPr>
           <a:lstStyle>
             <a:lvl1pPr algn="l" defTabSz="914400" rtl="0" eaLnBrk="1" latinLnBrk="0" hangingPunct="1">
@@ -5531,6 +5531,25 @@
             </a:pPr>
             <a:r>
               <a:rPr lang="en-US" sz="3600" dirty="0"/>
+              <a:t>Hypothesis :</a:t>
+            </a:r>
+          </a:p>
+          <a:p>
+            <a:pPr>
+              <a:lnSpc>
+                <a:spcPct val="170000"/>
+              </a:lnSpc>
+            </a:pPr>
+            <a:endParaRPr lang="en-US" sz="3600" dirty="0"/>
+          </a:p>
+          <a:p>
+            <a:pPr>
+              <a:lnSpc>
+                <a:spcPct val="170000"/>
+              </a:lnSpc>
+            </a:pPr>
+            <a:r>
+              <a:rPr lang="en-US" sz="3600" dirty="0"/>
               <a:t>Steps :</a:t>
             </a:r>
           </a:p>
@@ -5630,13 +5649,49 @@
             </a:pPr>
             <a:r>
               <a:rPr lang="en-US" sz="3600" dirty="0"/>
-              <a:t>Use the coefficients and y-intercept to predict </a:t>
-            </a:r>
-            <a:r>
-              <a:rPr lang="en-US" sz="3600"/>
-              <a:t>future outcomes</a:t>
-            </a:r>
-            <a:endParaRPr lang="en-US" sz="3600" dirty="0"/>
+              <a:t>Use the coefficients and y-intercept to predict future outcomes</a:t>
+            </a:r>
+          </a:p>
+          <a:p>
+            <a:pPr>
+              <a:lnSpc>
+                <a:spcPct val="170000"/>
+              </a:lnSpc>
+            </a:pPr>
+            <a:r>
+              <a:rPr lang="en-US" sz="3600" dirty="0"/>
+              <a:t>Conclusion :</a:t>
+            </a:r>
+          </a:p>
+          <a:p>
+            <a:pPr>
+              <a:lnSpc>
+                <a:spcPct val="170000"/>
+              </a:lnSpc>
+            </a:pPr>
+            <a:r>
+              <a:rPr lang="en-US" sz="3600" dirty="0"/>
+              <a:t>A peek into the future </a:t>
+            </a:r>
+          </a:p>
+          <a:p>
+            <a:pPr>
+              <a:lnSpc>
+                <a:spcPct val="170000"/>
+              </a:lnSpc>
+            </a:pPr>
+            <a:r>
+              <a:rPr lang="en-US" sz="3700" dirty="0"/>
+              <a:t>What if the wages continue to rise at their current rate and the </a:t>
+            </a:r>
+            <a:r>
+              <a:rPr lang="en-US" sz="3700" dirty="0" err="1"/>
+              <a:t>morgage</a:t>
+            </a:r>
+            <a:r>
+              <a:rPr lang="en-US" sz="3700" dirty="0"/>
+              <a:t> rate (30 year fixed) holds steady at 4.6 % ...Can you afford to buy a median price home in the future???</a:t>
+            </a:r>
           </a:p>
           <a:p>
             <a:pPr marL="571500" indent="-571500">
@@ -5811,7 +5866,7 @@
           <p:nvPr>
             <p:extLst>
               <p:ext uri="{D42A27DB-BD31-4B8C-83A1-F6EECF244321}">
-                <p14:modId xmlns:p14="http://schemas.microsoft.com/office/powerpoint/2010/main" val="50866636"/>
+                <p14:modId xmlns:p14="http://schemas.microsoft.com/office/powerpoint/2010/main" val="374647494"/>
               </p:ext>
             </p:extLst>
           </p:nvPr>
@@ -5940,6 +5995,18 @@
                     <a:bodyPr/>
                     <a:lstStyle/>
                     <a:p>
+                      <a:r>
+                        <a:rPr lang="en-US" sz="1400" b="0" i="0" kern="1200" dirty="0">
+                          <a:solidFill>
+                            <a:schemeClr val="tx1"/>
+                          </a:solidFill>
+                          <a:effectLst/>
+                          <a:latin typeface="+mj-lt"/>
+                          <a:ea typeface="+mn-ea"/>
+                          <a:cs typeface="+mn-cs"/>
+                        </a:rPr>
+                        <a:t>0.799286</a:t>
+                      </a:r>
                       <a:endParaRPr lang="en-US" sz="1400" dirty="0">
                         <a:latin typeface="+mj-lt"/>
                       </a:endParaRPr>
@@ -6010,6 +6077,18 @@
                     <a:bodyPr/>
                     <a:lstStyle/>
                     <a:p>
+                      <a:r>
+                        <a:rPr lang="en-US" sz="1400" b="0" i="0" kern="1200" dirty="0">
+                          <a:solidFill>
+                            <a:schemeClr val="tx1"/>
+                          </a:solidFill>
+                          <a:effectLst/>
+                          <a:latin typeface="+mj-lt"/>
+                          <a:ea typeface="+mn-ea"/>
+                          <a:cs typeface="+mn-cs"/>
+                        </a:rPr>
+                        <a:t>0.800972</a:t>
+                      </a:r>
                       <a:endParaRPr lang="en-US" sz="1400" dirty="0">
                         <a:latin typeface="+mj-lt"/>
                       </a:endParaRPr>
@@ -6059,7 +6138,19 @@
                     <a:bodyPr/>
                     <a:lstStyle/>
                     <a:p>
-                      <a:endParaRPr lang="en-US" sz="1400" dirty="0">
+                      <a:r>
+                        <a:rPr lang="en-US" sz="1400" b="1" i="0" kern="1200" dirty="0">
+                          <a:solidFill>
+                            <a:schemeClr val="tx1"/>
+                          </a:solidFill>
+                          <a:effectLst/>
+                          <a:latin typeface="+mj-lt"/>
+                          <a:ea typeface="+mn-ea"/>
+                          <a:cs typeface="+mn-cs"/>
+                        </a:rPr>
+                        <a:t>0.814675</a:t>
+                      </a:r>
+                      <a:endParaRPr lang="en-US" sz="1400" b="1" dirty="0">
                         <a:latin typeface="+mj-lt"/>
                       </a:endParaRPr>
                     </a:p>
@@ -6112,7 +6203,19 @@
                     <a:bodyPr/>
                     <a:lstStyle/>
                     <a:p>
-                      <a:endParaRPr lang="en-US" sz="1400">
+                      <a:r>
+                        <a:rPr lang="en-US" sz="1400" b="0" i="0" kern="1200" dirty="0">
+                          <a:solidFill>
+                            <a:schemeClr val="tx1"/>
+                          </a:solidFill>
+                          <a:effectLst/>
+                          <a:latin typeface="+mj-lt"/>
+                          <a:ea typeface="+mn-ea"/>
+                          <a:cs typeface="+mn-cs"/>
+                        </a:rPr>
+                        <a:t>0.177585</a:t>
+                      </a:r>
+                      <a:endParaRPr lang="en-US" sz="1400" dirty="0">
                         <a:latin typeface="+mj-lt"/>
                       </a:endParaRPr>
                     </a:p>
@@ -6165,6 +6268,18 @@
                     <a:bodyPr/>
                     <a:lstStyle/>
                     <a:p>
+                      <a:r>
+                        <a:rPr lang="en-US" sz="1400" b="0" i="0" kern="1200" dirty="0">
+                          <a:solidFill>
+                            <a:schemeClr val="tx1"/>
+                          </a:solidFill>
+                          <a:effectLst/>
+                          <a:latin typeface="+mj-lt"/>
+                          <a:ea typeface="+mn-ea"/>
+                          <a:cs typeface="+mn-cs"/>
+                        </a:rPr>
+                        <a:t>-0.180791</a:t>
+                      </a:r>
                       <a:endParaRPr lang="en-US" sz="1400" dirty="0">
                         <a:latin typeface="+mj-lt"/>
                       </a:endParaRPr>
@@ -6218,7 +6333,19 @@
                     <a:bodyPr/>
                     <a:lstStyle/>
                     <a:p>
-                      <a:endParaRPr lang="en-US" sz="1400" dirty="0">
+                      <a:r>
+                        <a:rPr lang="en-US" sz="1400" b="1" i="0" kern="1200" dirty="0">
+                          <a:solidFill>
+                            <a:schemeClr val="tx1"/>
+                          </a:solidFill>
+                          <a:effectLst/>
+                          <a:latin typeface="+mj-lt"/>
+                          <a:ea typeface="+mn-ea"/>
+                          <a:cs typeface="+mn-cs"/>
+                        </a:rPr>
+                        <a:t>0.725683</a:t>
+                      </a:r>
+                      <a:endParaRPr lang="en-US" sz="1400" b="1" dirty="0">
                         <a:latin typeface="+mj-lt"/>
                       </a:endParaRPr>
                     </a:p>
@@ -6271,7 +6398,19 @@
                     <a:bodyPr/>
                     <a:lstStyle/>
                     <a:p>
-                      <a:endParaRPr lang="en-US" sz="1400">
+                      <a:r>
+                        <a:rPr lang="en-US" sz="1400" b="0" i="0" kern="1200" dirty="0">
+                          <a:solidFill>
+                            <a:schemeClr val="tx1"/>
+                          </a:solidFill>
+                          <a:effectLst/>
+                          <a:latin typeface="+mj-lt"/>
+                          <a:ea typeface="+mn-ea"/>
+                          <a:cs typeface="+mn-cs"/>
+                        </a:rPr>
+                        <a:t>-0.683790</a:t>
+                      </a:r>
+                      <a:endParaRPr lang="en-US" sz="1400" dirty="0">
                         <a:latin typeface="+mj-lt"/>
                       </a:endParaRPr>
                     </a:p>
@@ -6324,7 +6463,19 @@
                     <a:bodyPr/>
                     <a:lstStyle/>
                     <a:p>
-                      <a:endParaRPr lang="en-US" sz="1400">
+                      <a:r>
+                        <a:rPr lang="en-US" sz="1400" b="0" i="0" kern="1200" dirty="0">
+                          <a:solidFill>
+                            <a:schemeClr val="tx1"/>
+                          </a:solidFill>
+                          <a:effectLst/>
+                          <a:latin typeface="+mj-lt"/>
+                          <a:ea typeface="+mn-ea"/>
+                          <a:cs typeface="+mn-cs"/>
+                        </a:rPr>
+                        <a:t>0.291740</a:t>
+                      </a:r>
+                      <a:endParaRPr lang="en-US" sz="1400" dirty="0">
                         <a:latin typeface="+mj-lt"/>
                       </a:endParaRPr>
                     </a:p>
@@ -6377,6 +6528,18 @@
                     <a:bodyPr/>
                     <a:lstStyle/>
                     <a:p>
+                      <a:r>
+                        <a:rPr lang="en-US" sz="1400" b="0" i="0" kern="1200" dirty="0">
+                          <a:solidFill>
+                            <a:schemeClr val="tx1"/>
+                          </a:solidFill>
+                          <a:effectLst/>
+                          <a:latin typeface="+mj-lt"/>
+                          <a:ea typeface="+mn-ea"/>
+                          <a:cs typeface="+mn-cs"/>
+                        </a:rPr>
+                        <a:t>0.738533</a:t>
+                      </a:r>
                       <a:endParaRPr lang="en-US" sz="1400" dirty="0">
                         <a:latin typeface="+mj-lt"/>
                       </a:endParaRPr>
@@ -6447,7 +6610,19 @@
                     <a:bodyPr/>
                     <a:lstStyle/>
                     <a:p>
-                      <a:endParaRPr lang="en-US" sz="1400">
+                      <a:r>
+                        <a:rPr lang="en-US" sz="1400" b="1" i="0" kern="1200" dirty="0">
+                          <a:solidFill>
+                            <a:schemeClr val="tx1"/>
+                          </a:solidFill>
+                          <a:effectLst/>
+                          <a:latin typeface="+mj-lt"/>
+                          <a:ea typeface="+mn-ea"/>
+                          <a:cs typeface="+mn-cs"/>
+                        </a:rPr>
+                        <a:t>0.829636</a:t>
+                      </a:r>
+                      <a:endParaRPr lang="en-US" sz="1400" b="1" dirty="0">
                         <a:latin typeface="+mj-lt"/>
                       </a:endParaRPr>
                     </a:p>

--- a/BC_Project3_presentation.pptx
+++ b/BC_Project3_presentation.pptx
@@ -5487,7 +5487,7 @@
         <p:spPr>
           <a:xfrm>
             <a:off x="1073658" y="1725931"/>
-            <a:ext cx="10322052" cy="4857749"/>
+            <a:ext cx="10322052" cy="5052059"/>
           </a:xfrm>
           <a:prstGeom prst="rect">
             <a:avLst/>
@@ -5531,7 +5531,7 @@
             </a:pPr>
             <a:r>
               <a:rPr lang="en-US" sz="3600" dirty="0"/>
-              <a:t>Hypothesis :</a:t>
+              <a:t>Hypothesis : </a:t>
             </a:r>
           </a:p>
           <a:p>
@@ -5563,7 +5563,7 @@
             </a:pPr>
             <a:r>
               <a:rPr lang="en-US" sz="3600" dirty="0"/>
-              <a:t>State hypothesis</a:t>
+              <a:t>Identify dependent and potential predictor variables</a:t>
             </a:r>
           </a:p>
           <a:p>
@@ -5576,7 +5576,7 @@
             </a:pPr>
             <a:r>
               <a:rPr lang="en-US" sz="3600" dirty="0"/>
-              <a:t>Identify dependent and potential predictor variables</a:t>
+              <a:t>Check initial correlation between dependent and potential predictor variables</a:t>
             </a:r>
           </a:p>
           <a:p>
@@ -5589,7 +5589,7 @@
             </a:pPr>
             <a:r>
               <a:rPr lang="en-US" sz="3600" dirty="0"/>
-              <a:t>Check initial correlation between dependent and potential predictor variables</a:t>
+              <a:t>Short-list 3 most correlated predictor variables </a:t>
             </a:r>
           </a:p>
           <a:p>
@@ -5602,7 +5602,7 @@
             </a:pPr>
             <a:r>
               <a:rPr lang="en-US" sz="3600" dirty="0"/>
-              <a:t>Short-list 3 most correlated predictor variables </a:t>
+              <a:t>run uni-variate linear regression model for each predictor variable</a:t>
             </a:r>
           </a:p>
           <a:p>
@@ -5615,15 +5615,7 @@
             </a:pPr>
             <a:r>
               <a:rPr lang="en-US" sz="3600" dirty="0"/>
-              <a:t>run </a:t>
-            </a:r>
-            <a:r>
-              <a:rPr lang="en-US" sz="3600" dirty="0" err="1"/>
-              <a:t>uni</a:t>
-            </a:r>
-            <a:r>
-              <a:rPr lang="en-US" sz="3600" dirty="0"/>
-              <a:t>-variate linear regression model for each predictor variable</a:t>
+              <a:t>Run multi-variate linear regression model for all 3 predictor variable</a:t>
             </a:r>
           </a:p>
           <a:p>
@@ -5636,7 +5628,7 @@
             </a:pPr>
             <a:r>
               <a:rPr lang="en-US" sz="3600" dirty="0"/>
-              <a:t>Run multi-variate linear regression model for all 3 predictor variable</a:t>
+              <a:t>Use the coefficients and y-intercept to predict future outcomes</a:t>
             </a:r>
           </a:p>
           <a:p>
@@ -5647,10 +5639,7 @@
               <a:buFont typeface="Arial" panose="020B0604020202020204" pitchFamily="34" charset="0"/>
               <a:buChar char="•"/>
             </a:pPr>
-            <a:r>
-              <a:rPr lang="en-US" sz="3600" dirty="0"/>
-              <a:t>Use the coefficients and y-intercept to predict future outcomes</a:t>
-            </a:r>
+            <a:endParaRPr lang="en-US" sz="3600" dirty="0"/>
           </a:p>
           <a:p>
             <a:pPr>
@@ -5682,15 +5671,7 @@
             </a:pPr>
             <a:r>
               <a:rPr lang="en-US" sz="3700" dirty="0"/>
-              <a:t>What if the wages continue to rise at their current rate and the </a:t>
-            </a:r>
-            <a:r>
-              <a:rPr lang="en-US" sz="3700" dirty="0" err="1"/>
-              <a:t>morgage</a:t>
-            </a:r>
-            <a:r>
-              <a:rPr lang="en-US" sz="3700" dirty="0"/>
-              <a:t> rate (30 year fixed) holds steady at 4.6 % ...Can you afford to buy a median price home in the future???</a:t>
+              <a:t>What if the wages continue to rise at their current rate and the mortgage rate (30 year fixed) holds steady at 4.6 % ...Can you afford to buy a median price home in the future???</a:t>
             </a:r>
           </a:p>
           <a:p>

--- a/BC_Project3_presentation.pptx
+++ b/BC_Project3_presentation.pptx
@@ -4968,6 +4968,21 @@
               <a:rPr lang="en-US" sz="2800" dirty="0"/>
               <a:t>San Francisco</a:t>
             </a:r>
+          </a:p>
+          <a:p>
+            <a:pPr marL="457200" indent="-457200">
+              <a:buFont typeface="Arial" panose="020B0604020202020204" pitchFamily="34" charset="0"/>
+              <a:buChar char="•"/>
+            </a:pPr>
+            <a:r>
+              <a:rPr lang="en-US" sz="2800" dirty="0"/>
+              <a:t>Santa </a:t>
+            </a:r>
+            <a:r>
+              <a:rPr lang="en-US" sz="2800" dirty="0" err="1"/>
+              <a:t>clara</a:t>
+            </a:r>
+            <a:endParaRPr lang="en-US" sz="2800" dirty="0"/>
           </a:p>
           <a:p>
             <a:pPr marL="457200" indent="-457200">

--- a/BC_Project3_presentation.pptx
+++ b/BC_Project3_presentation.pptx
@@ -11,6 +11,7 @@
     <p:sldId id="259" r:id="rId5"/>
     <p:sldId id="261" r:id="rId6"/>
     <p:sldId id="260" r:id="rId7"/>
+    <p:sldId id="262" r:id="rId8"/>
   </p:sldIdLst>
   <p:sldSz cx="12192000" cy="6858000"/>
   <p:notesSz cx="6858000" cy="9144000"/>
@@ -629,7 +630,7 @@
           <a:p>
             <a:fld id="{83284890-85D2-4D7B-8EF5-15A9C1DB8F42}" type="datetimeFigureOut">
               <a:rPr lang="en-US" smtClean="0"/>
-              <a:t>7/24/18</a:t>
+              <a:t>7/25/18</a:t>
             </a:fld>
             <a:endParaRPr lang="en-US"/>
           </a:p>
@@ -807,7 +808,7 @@
           <a:p>
             <a:fld id="{87157CC2-0FC8-4686-B024-99790E0F5162}" type="datetimeFigureOut">
               <a:rPr lang="en-US" smtClean="0"/>
-              <a:t>7/24/18</a:t>
+              <a:t>7/25/18</a:t>
             </a:fld>
             <a:endParaRPr lang="en-US"/>
           </a:p>
@@ -987,7 +988,7 @@
           <a:p>
             <a:fld id="{F6764DA5-CD3D-4590-A511-FCD3BC7A793E}" type="datetimeFigureOut">
               <a:rPr lang="en-US" smtClean="0"/>
-              <a:t>7/24/18</a:t>
+              <a:t>7/25/18</a:t>
             </a:fld>
             <a:endParaRPr lang="en-US"/>
           </a:p>
@@ -1157,7 +1158,7 @@
           <a:p>
             <a:fld id="{82F5661D-6934-4B32-B92C-470368BF1EC6}" type="datetimeFigureOut">
               <a:rPr lang="en-US" smtClean="0"/>
-              <a:t>7/24/18</a:t>
+              <a:t>7/25/18</a:t>
             </a:fld>
             <a:endParaRPr lang="en-US"/>
           </a:p>
@@ -1478,7 +1479,7 @@
           <a:p>
             <a:fld id="{C6F822A4-8DA6-4447-9B1F-C5DB58435268}" type="datetimeFigureOut">
               <a:rPr lang="en-US" smtClean="0"/>
-              <a:t>7/24/18</a:t>
+              <a:t>7/25/18</a:t>
             </a:fld>
             <a:endParaRPr lang="en-US" dirty="0"/>
           </a:p>
@@ -1939,7 +1940,7 @@
           <a:p>
             <a:fld id="{E548D31E-DCDA-41A7-9C67-C4B11B94D21D}" type="datetimeFigureOut">
               <a:rPr lang="en-US" smtClean="0"/>
-              <a:t>7/24/18</a:t>
+              <a:t>7/25/18</a:t>
             </a:fld>
             <a:endParaRPr lang="en-US"/>
           </a:p>
@@ -2350,7 +2351,7 @@
           <a:p>
             <a:fld id="{9B3762C0-B258-48F1-ADE6-176B4174CCDD}" type="datetimeFigureOut">
               <a:rPr lang="en-US" smtClean="0"/>
-              <a:t>7/24/18</a:t>
+              <a:t>7/25/18</a:t>
             </a:fld>
             <a:endParaRPr lang="en-US"/>
           </a:p>
@@ -2468,7 +2469,7 @@
           <a:p>
             <a:fld id="{677919A6-33EB-49BD-A62F-1FA56B9F9712}" type="datetimeFigureOut">
               <a:rPr lang="en-US" smtClean="0"/>
-              <a:t>7/24/18</a:t>
+              <a:t>7/25/18</a:t>
             </a:fld>
             <a:endParaRPr lang="en-US"/>
           </a:p>
@@ -2585,7 +2586,7 @@
           <a:p>
             <a:fld id="{CA4E7D1B-D673-4CF6-8672-009D42ABD2A0}" type="datetimeFigureOut">
               <a:rPr lang="en-US" smtClean="0"/>
-              <a:t>7/24/18</a:t>
+              <a:t>7/25/18</a:t>
             </a:fld>
             <a:endParaRPr lang="en-US"/>
           </a:p>
@@ -2943,7 +2944,7 @@
           <a:p>
             <a:fld id="{DA16AA21-1863-4931-97CB-99D0A168701B}" type="datetimeFigureOut">
               <a:rPr lang="en-US" smtClean="0"/>
-              <a:t>7/24/18</a:t>
+              <a:t>7/25/18</a:t>
             </a:fld>
             <a:endParaRPr lang="en-US"/>
           </a:p>
@@ -3450,7 +3451,7 @@
           <a:p>
             <a:fld id="{3772C379-9A7C-4C87-A116-CBE9F58B04C5}" type="datetimeFigureOut">
               <a:rPr lang="en-US" smtClean="0"/>
-              <a:t>7/24/18</a:t>
+              <a:t>7/25/18</a:t>
             </a:fld>
             <a:endParaRPr lang="en-US"/>
           </a:p>
@@ -3805,7 +3806,7 @@
           <a:p>
             <a:fld id="{8664C608-40B1-4030-A28D-5B74BC98ADCE}" type="datetimeFigureOut">
               <a:rPr lang="en-US" smtClean="0"/>
-              <a:t>7/24/18</a:t>
+              <a:t>7/25/18</a:t>
             </a:fld>
             <a:endParaRPr lang="en-US" dirty="0"/>
           </a:p>
@@ -4509,7 +4510,7 @@
             </a:br>
             <a:r>
               <a:rPr lang="en-US" sz="2000" dirty="0"/>
-              <a:t>UC Berkeley ext. – final project presentation</a:t>
+              <a:t>UC Berkeley ext.  2018 – final project presentation</a:t>
             </a:r>
           </a:p>
         </p:txBody>
@@ -4559,6 +4560,196 @@
   <p:clrMapOvr>
     <a:masterClrMapping/>
   </p:clrMapOvr>
+  <p:timing>
+    <p:tnLst>
+      <p:par>
+        <p:cTn id="1" dur="indefinite" restart="never" nodeType="tmRoot">
+          <p:childTnLst>
+            <p:seq concurrent="1" nextAc="seek">
+              <p:cTn id="2" dur="indefinite" nodeType="mainSeq">
+                <p:childTnLst>
+                  <p:par>
+                    <p:cTn id="3" fill="hold">
+                      <p:stCondLst>
+                        <p:cond delay="indefinite"/>
+                      </p:stCondLst>
+                      <p:childTnLst>
+                        <p:par>
+                          <p:cTn id="4" fill="hold">
+                            <p:stCondLst>
+                              <p:cond delay="0"/>
+                            </p:stCondLst>
+                            <p:childTnLst>
+                              <p:par>
+                                <p:cTn id="5" presetID="9" presetClass="entr" presetSubtype="0" fill="hold" grpId="0" nodeType="clickEffect">
+                                  <p:stCondLst>
+                                    <p:cond delay="0"/>
+                                  </p:stCondLst>
+                                  <p:childTnLst>
+                                    <p:set>
+                                      <p:cBhvr>
+                                        <p:cTn id="6" dur="1" fill="hold">
+                                          <p:stCondLst>
+                                            <p:cond delay="0"/>
+                                          </p:stCondLst>
+                                        </p:cTn>
+                                        <p:tgtEl>
+                                          <p:spTgt spid="2"/>
+                                        </p:tgtEl>
+                                        <p:attrNameLst>
+                                          <p:attrName>style.visibility</p:attrName>
+                                        </p:attrNameLst>
+                                      </p:cBhvr>
+                                      <p:to>
+                                        <p:strVal val="visible"/>
+                                      </p:to>
+                                    </p:set>
+                                    <p:animEffect transition="in" filter="dissolve">
+                                      <p:cBhvr>
+                                        <p:cTn id="7" dur="500"/>
+                                        <p:tgtEl>
+                                          <p:spTgt spid="2"/>
+                                        </p:tgtEl>
+                                      </p:cBhvr>
+                                    </p:animEffect>
+                                  </p:childTnLst>
+                                </p:cTn>
+                              </p:par>
+                            </p:childTnLst>
+                          </p:cTn>
+                        </p:par>
+                      </p:childTnLst>
+                    </p:cTn>
+                  </p:par>
+                  <p:par>
+                    <p:cTn id="8" fill="hold">
+                      <p:stCondLst>
+                        <p:cond delay="indefinite"/>
+                      </p:stCondLst>
+                      <p:childTnLst>
+                        <p:par>
+                          <p:cTn id="9" fill="hold">
+                            <p:stCondLst>
+                              <p:cond delay="0"/>
+                            </p:stCondLst>
+                            <p:childTnLst>
+                              <p:par>
+                                <p:cTn id="10" presetID="2" presetClass="entr" presetSubtype="4" fill="hold" grpId="0" nodeType="clickEffect">
+                                  <p:stCondLst>
+                                    <p:cond delay="0"/>
+                                  </p:stCondLst>
+                                  <p:childTnLst>
+                                    <p:set>
+                                      <p:cBhvr>
+                                        <p:cTn id="11" dur="1" fill="hold">
+                                          <p:stCondLst>
+                                            <p:cond delay="0"/>
+                                          </p:stCondLst>
+                                        </p:cTn>
+                                        <p:tgtEl>
+                                          <p:spTgt spid="3">
+                                            <p:txEl>
+                                              <p:pRg st="0" end="0"/>
+                                            </p:txEl>
+                                          </p:spTgt>
+                                        </p:tgtEl>
+                                        <p:attrNameLst>
+                                          <p:attrName>style.visibility</p:attrName>
+                                        </p:attrNameLst>
+                                      </p:cBhvr>
+                                      <p:to>
+                                        <p:strVal val="visible"/>
+                                      </p:to>
+                                    </p:set>
+                                    <p:anim calcmode="lin" valueType="num">
+                                      <p:cBhvr additive="base">
+                                        <p:cTn id="12" dur="500" fill="hold"/>
+                                        <p:tgtEl>
+                                          <p:spTgt spid="3">
+                                            <p:txEl>
+                                              <p:pRg st="0" end="0"/>
+                                            </p:txEl>
+                                          </p:spTgt>
+                                        </p:tgtEl>
+                                        <p:attrNameLst>
+                                          <p:attrName>ppt_x</p:attrName>
+                                        </p:attrNameLst>
+                                      </p:cBhvr>
+                                      <p:tavLst>
+                                        <p:tav tm="0">
+                                          <p:val>
+                                            <p:strVal val="#ppt_x"/>
+                                          </p:val>
+                                        </p:tav>
+                                        <p:tav tm="100000">
+                                          <p:val>
+                                            <p:strVal val="#ppt_x"/>
+                                          </p:val>
+                                        </p:tav>
+                                      </p:tavLst>
+                                    </p:anim>
+                                    <p:anim calcmode="lin" valueType="num">
+                                      <p:cBhvr additive="base">
+                                        <p:cTn id="13" dur="500" fill="hold"/>
+                                        <p:tgtEl>
+                                          <p:spTgt spid="3">
+                                            <p:txEl>
+                                              <p:pRg st="0" end="0"/>
+                                            </p:txEl>
+                                          </p:spTgt>
+                                        </p:tgtEl>
+                                        <p:attrNameLst>
+                                          <p:attrName>ppt_y</p:attrName>
+                                        </p:attrNameLst>
+                                      </p:cBhvr>
+                                      <p:tavLst>
+                                        <p:tav tm="0">
+                                          <p:val>
+                                            <p:strVal val="1+#ppt_h/2"/>
+                                          </p:val>
+                                        </p:tav>
+                                        <p:tav tm="100000">
+                                          <p:val>
+                                            <p:strVal val="#ppt_y"/>
+                                          </p:val>
+                                        </p:tav>
+                                      </p:tavLst>
+                                    </p:anim>
+                                  </p:childTnLst>
+                                </p:cTn>
+                              </p:par>
+                            </p:childTnLst>
+                          </p:cTn>
+                        </p:par>
+                      </p:childTnLst>
+                    </p:cTn>
+                  </p:par>
+                </p:childTnLst>
+              </p:cTn>
+              <p:prevCondLst>
+                <p:cond evt="onPrev" delay="0">
+                  <p:tgtEl>
+                    <p:sldTgt/>
+                  </p:tgtEl>
+                </p:cond>
+              </p:prevCondLst>
+              <p:nextCondLst>
+                <p:cond evt="onNext" delay="0">
+                  <p:tgtEl>
+                    <p:sldTgt/>
+                  </p:tgtEl>
+                </p:cond>
+              </p:nextCondLst>
+            </p:seq>
+          </p:childTnLst>
+        </p:cTn>
+      </p:par>
+    </p:tnLst>
+    <p:bldLst>
+      <p:bldP spid="2" grpId="0"/>
+      <p:bldP spid="3" grpId="0" build="p"/>
+    </p:bldLst>
+  </p:timing>
 </p:sld>
 </file>
 
@@ -4659,67 +4850,6 @@
           </a:effectLst>
         </p:spPr>
       </p:pic>
-      <p:pic>
-        <p:nvPicPr>
-          <p:cNvPr id="8" name="Picture 7">
-            <a:extLst>
-              <a:ext uri="{FF2B5EF4-FFF2-40B4-BE49-F238E27FC236}">
-                <a16:creationId xmlns:a16="http://schemas.microsoft.com/office/drawing/2014/main" id="{322474D9-5E4E-974D-B1BE-173C48D21AA2}"/>
-              </a:ext>
-            </a:extLst>
-          </p:cNvPr>
-          <p:cNvPicPr>
-            <a:picLocks noChangeAspect="1"/>
-          </p:cNvPicPr>
-          <p:nvPr/>
-        </p:nvPicPr>
-        <p:blipFill rotWithShape="1">
-          <a:blip r:embed="rId3">
-            <a:extLst>
-              <a:ext uri="{28A0092B-C50C-407E-A947-70E740481C1C}">
-                <a14:useLocalDpi xmlns:a14="http://schemas.microsoft.com/office/drawing/2010/main" val="0"/>
-              </a:ext>
-            </a:extLst>
-          </a:blip>
-          <a:srcRect b="14692"/>
-          <a:stretch/>
-        </p:blipFill>
-        <p:spPr>
-          <a:xfrm>
-            <a:off x="5570982" y="1793853"/>
-            <a:ext cx="6281928" cy="4006385"/>
-          </a:xfrm>
-          <a:prstGeom prst="roundRect">
-            <a:avLst>
-              <a:gd name="adj" fmla="val 4167"/>
-            </a:avLst>
-          </a:prstGeom>
-          <a:solidFill>
-            <a:srgbClr val="FFFFFF"/>
-          </a:solidFill>
-          <a:ln w="76200" cap="sq">
-            <a:solidFill>
-              <a:srgbClr val="EAEAEA"/>
-            </a:solidFill>
-            <a:miter lim="800000"/>
-          </a:ln>
-          <a:effectLst>
-            <a:reflection blurRad="12700" stA="33000" endPos="28000" dist="5000" dir="5400000" sy="-100000" algn="bl" rotWithShape="0"/>
-          </a:effectLst>
-          <a:scene3d>
-            <a:camera prst="orthographicFront"/>
-            <a:lightRig rig="threePt" dir="t">
-              <a:rot lat="0" lon="0" rev="2700000"/>
-            </a:lightRig>
-          </a:scene3d>
-          <a:sp3d contourW="6350">
-            <a:bevelT h="38100"/>
-            <a:contourClr>
-              <a:srgbClr val="C0C0C0"/>
-            </a:contourClr>
-          </a:sp3d>
-        </p:spPr>
-      </p:pic>
       <p:cxnSp>
         <p:nvCxnSpPr>
           <p:cNvPr id="9" name="Straight Connector 8">
@@ -4756,6 +4886,305 @@
           </a:fontRef>
         </p:style>
       </p:cxnSp>
+      <p:pic>
+        <p:nvPicPr>
+          <p:cNvPr id="4" name="Picture 3">
+            <a:extLst>
+              <a:ext uri="{FF2B5EF4-FFF2-40B4-BE49-F238E27FC236}">
+                <a16:creationId xmlns:a16="http://schemas.microsoft.com/office/drawing/2014/main" id="{B79868C6-9DF2-8F4F-996B-CABC9479DB64}"/>
+              </a:ext>
+            </a:extLst>
+          </p:cNvPr>
+          <p:cNvPicPr>
+            <a:picLocks noChangeAspect="1"/>
+          </p:cNvPicPr>
+          <p:nvPr/>
+        </p:nvPicPr>
+        <p:blipFill>
+          <a:blip r:embed="rId3">
+            <a:extLst>
+              <a:ext uri="{28A0092B-C50C-407E-A947-70E740481C1C}">
+                <a14:useLocalDpi xmlns:a14="http://schemas.microsoft.com/office/drawing/2010/main" val="0"/>
+              </a:ext>
+            </a:extLst>
+          </a:blip>
+          <a:stretch>
+            <a:fillRect/>
+          </a:stretch>
+        </p:blipFill>
+        <p:spPr>
+          <a:xfrm>
+            <a:off x="755015" y="3063240"/>
+            <a:ext cx="5021042" cy="3448518"/>
+          </a:xfrm>
+          <a:prstGeom prst="rect">
+            <a:avLst/>
+          </a:prstGeom>
+          <a:ln>
+            <a:noFill/>
+          </a:ln>
+          <a:effectLst>
+            <a:outerShdw blurRad="190500" algn="tl" rotWithShape="0">
+              <a:srgbClr val="000000">
+                <a:alpha val="70000"/>
+              </a:srgbClr>
+            </a:outerShdw>
+          </a:effectLst>
+        </p:spPr>
+      </p:pic>
+      <p:pic>
+        <p:nvPicPr>
+          <p:cNvPr id="8" name="Picture 7">
+            <a:extLst>
+              <a:ext uri="{FF2B5EF4-FFF2-40B4-BE49-F238E27FC236}">
+                <a16:creationId xmlns:a16="http://schemas.microsoft.com/office/drawing/2014/main" id="{322474D9-5E4E-974D-B1BE-173C48D21AA2}"/>
+              </a:ext>
+            </a:extLst>
+          </p:cNvPr>
+          <p:cNvPicPr>
+            <a:picLocks noChangeAspect="1"/>
+          </p:cNvPicPr>
+          <p:nvPr/>
+        </p:nvPicPr>
+        <p:blipFill rotWithShape="1">
+          <a:blip r:embed="rId4">
+            <a:extLst>
+              <a:ext uri="{28A0092B-C50C-407E-A947-70E740481C1C}">
+                <a14:useLocalDpi xmlns:a14="http://schemas.microsoft.com/office/drawing/2010/main" val="0"/>
+              </a:ext>
+            </a:extLst>
+          </a:blip>
+          <a:srcRect b="14692"/>
+          <a:stretch/>
+        </p:blipFill>
+        <p:spPr>
+          <a:xfrm>
+            <a:off x="6111238" y="213359"/>
+            <a:ext cx="5812539" cy="3707025"/>
+          </a:xfrm>
+          <a:prstGeom prst="roundRect">
+            <a:avLst>
+              <a:gd name="adj" fmla="val 4167"/>
+            </a:avLst>
+          </a:prstGeom>
+          <a:solidFill>
+            <a:srgbClr val="FFFFFF"/>
+          </a:solidFill>
+          <a:ln w="76200" cap="sq">
+            <a:solidFill>
+              <a:srgbClr val="EAEAEA"/>
+            </a:solidFill>
+            <a:miter lim="800000"/>
+          </a:ln>
+          <a:effectLst>
+            <a:reflection blurRad="12700" stA="33000" endPos="28000" dist="5000" dir="5400000" sy="-100000" algn="bl" rotWithShape="0"/>
+          </a:effectLst>
+          <a:scene3d>
+            <a:camera prst="orthographicFront"/>
+            <a:lightRig rig="threePt" dir="t">
+              <a:rot lat="0" lon="0" rev="2700000"/>
+            </a:lightRig>
+          </a:scene3d>
+          <a:sp3d contourW="6350">
+            <a:bevelT h="38100"/>
+            <a:contourClr>
+              <a:srgbClr val="C0C0C0"/>
+            </a:contourClr>
+          </a:sp3d>
+        </p:spPr>
+      </p:pic>
+      <p:sp>
+        <p:nvSpPr>
+          <p:cNvPr id="10" name="Title 1">
+            <a:extLst>
+              <a:ext uri="{FF2B5EF4-FFF2-40B4-BE49-F238E27FC236}">
+                <a16:creationId xmlns:a16="http://schemas.microsoft.com/office/drawing/2014/main" id="{73C81976-9363-B140-81D8-D6911F3BEAF7}"/>
+              </a:ext>
+            </a:extLst>
+          </p:cNvPr>
+          <p:cNvSpPr txBox="1">
+            <a:spLocks/>
+          </p:cNvSpPr>
+          <p:nvPr/>
+        </p:nvSpPr>
+        <p:spPr>
+          <a:xfrm>
+            <a:off x="6095998" y="4976624"/>
+            <a:ext cx="5181601" cy="636268"/>
+          </a:xfrm>
+          <a:prstGeom prst="rect">
+            <a:avLst/>
+          </a:prstGeom>
+        </p:spPr>
+        <p:txBody>
+          <a:bodyPr vert="horz" lIns="91440" tIns="45720" rIns="91440" bIns="45720" rtlCol="0" anchor="ctr">
+            <a:noAutofit/>
+          </a:bodyPr>
+          <a:lstStyle>
+            <a:lvl1pPr algn="l" defTabSz="914400" rtl="0" eaLnBrk="1" latinLnBrk="0" hangingPunct="1">
+              <a:lnSpc>
+                <a:spcPct val="90000"/>
+              </a:lnSpc>
+              <a:spcBef>
+                <a:spcPct val="0"/>
+              </a:spcBef>
+              <a:buNone/>
+              <a:defRPr sz="5400" kern="1200" cap="all" baseline="0">
+                <a:blipFill>
+                  <a:blip r:embed="rId5">
+                    <a:extLst>
+                      <a:ext uri="{28A0092B-C50C-407E-A947-70E740481C1C}">
+                        <a14:useLocalDpi xmlns:a14="http://schemas.microsoft.com/office/drawing/2010/main" val="0"/>
+                      </a:ext>
+                    </a:extLst>
+                  </a:blip>
+                  <a:tile tx="6350" ty="-127000" sx="65000" sy="64000" flip="none" algn="tl"/>
+                </a:blipFill>
+                <a:latin typeface="+mj-lt"/>
+                <a:ea typeface="+mj-ea"/>
+                <a:cs typeface="+mj-cs"/>
+              </a:defRPr>
+            </a:lvl1pPr>
+          </a:lstStyle>
+          <a:p>
+            <a:pPr>
+              <a:lnSpc>
+                <a:spcPct val="170000"/>
+              </a:lnSpc>
+            </a:pPr>
+            <a:r>
+              <a:rPr lang="en-US" sz="2000" dirty="0"/>
+              <a:t>It is a worn-down, decomposing wooden shack that was built in 1906, and the interior is unlivable in its current condition. The San Francisco house is also selling for</a:t>
+            </a:r>
+            <a:endParaRPr lang="en-US" sz="2400" dirty="0">
+              <a:solidFill>
+                <a:schemeClr val="accent1"/>
+              </a:solidFill>
+            </a:endParaRPr>
+          </a:p>
+        </p:txBody>
+      </p:sp>
+      <p:sp>
+        <p:nvSpPr>
+          <p:cNvPr id="6" name="Rectangle 5">
+            <a:extLst>
+              <a:ext uri="{FF2B5EF4-FFF2-40B4-BE49-F238E27FC236}">
+                <a16:creationId xmlns:a16="http://schemas.microsoft.com/office/drawing/2014/main" id="{6FC34A98-AEA2-BD42-A0AD-9EEEBEFB99FE}"/>
+              </a:ext>
+            </a:extLst>
+          </p:cNvPr>
+          <p:cNvSpPr/>
+          <p:nvPr/>
+        </p:nvSpPr>
+        <p:spPr>
+          <a:xfrm>
+            <a:off x="7921880" y="5900168"/>
+            <a:ext cx="1542159" cy="523220"/>
+          </a:xfrm>
+          <a:prstGeom prst="rect">
+            <a:avLst/>
+          </a:prstGeom>
+        </p:spPr>
+        <p:txBody>
+          <a:bodyPr wrap="square">
+            <a:spAutoFit/>
+          </a:bodyPr>
+          <a:lstStyle/>
+          <a:p>
+            <a:r>
+              <a:rPr lang="en-US" sz="2800" dirty="0">
+                <a:solidFill>
+                  <a:schemeClr val="accent1"/>
+                </a:solidFill>
+                <a:latin typeface="+mj-lt"/>
+              </a:rPr>
+              <a:t>$350,000.00</a:t>
+            </a:r>
+            <a:endParaRPr lang="en-US" sz="2800" dirty="0">
+              <a:latin typeface="+mj-lt"/>
+            </a:endParaRPr>
+          </a:p>
+        </p:txBody>
+      </p:sp>
+      <p:sp>
+        <p:nvSpPr>
+          <p:cNvPr id="12" name="Rectangle 11">
+            <a:hlinkClick r:id="rId6"/>
+            <a:extLst>
+              <a:ext uri="{FF2B5EF4-FFF2-40B4-BE49-F238E27FC236}">
+                <a16:creationId xmlns:a16="http://schemas.microsoft.com/office/drawing/2014/main" id="{93A4A1FE-9D55-BB44-B8EC-DD0F9C8A69DD}"/>
+              </a:ext>
+            </a:extLst>
+          </p:cNvPr>
+          <p:cNvSpPr/>
+          <p:nvPr/>
+        </p:nvSpPr>
+        <p:spPr>
+          <a:xfrm>
+            <a:off x="6111238" y="6406808"/>
+            <a:ext cx="3401440" cy="261610"/>
+          </a:xfrm>
+          <a:prstGeom prst="rect">
+            <a:avLst/>
+          </a:prstGeom>
+        </p:spPr>
+        <p:txBody>
+          <a:bodyPr wrap="square">
+            <a:spAutoFit/>
+          </a:bodyPr>
+          <a:lstStyle/>
+          <a:p>
+            <a:r>
+              <a:rPr lang="en-US" sz="1100" dirty="0">
+                <a:solidFill>
+                  <a:schemeClr val="accent1"/>
+                </a:solidFill>
+                <a:latin typeface="+mj-lt"/>
+              </a:rPr>
+              <a:t>http://</a:t>
+            </a:r>
+            <a:r>
+              <a:rPr lang="en-US" sz="1100" dirty="0" err="1">
+                <a:solidFill>
+                  <a:schemeClr val="accent1"/>
+                </a:solidFill>
+                <a:latin typeface="+mj-lt"/>
+              </a:rPr>
+              <a:t>fortune.com</a:t>
+            </a:r>
+            <a:r>
+              <a:rPr lang="en-US" sz="1100" dirty="0">
+                <a:solidFill>
+                  <a:schemeClr val="accent1"/>
+                </a:solidFill>
+                <a:latin typeface="+mj-lt"/>
+              </a:rPr>
+              <a:t>/2015/09/25/san-</a:t>
+            </a:r>
+            <a:r>
+              <a:rPr lang="en-US" sz="1100" dirty="0" err="1">
+                <a:solidFill>
+                  <a:schemeClr val="accent1"/>
+                </a:solidFill>
+                <a:latin typeface="+mj-lt"/>
+              </a:rPr>
+              <a:t>francisco</a:t>
+            </a:r>
+            <a:r>
+              <a:rPr lang="en-US" sz="1100" dirty="0">
+                <a:solidFill>
+                  <a:schemeClr val="accent1"/>
+                </a:solidFill>
+                <a:latin typeface="+mj-lt"/>
+              </a:rPr>
+              <a:t>-cheapest-home/</a:t>
+            </a:r>
+            <a:endParaRPr lang="en-US" sz="1100" dirty="0">
+              <a:latin typeface="+mj-lt"/>
+            </a:endParaRPr>
+          </a:p>
+        </p:txBody>
+      </p:sp>
     </p:spTree>
     <p:extLst>
       <p:ext uri="{BB962C8B-B14F-4D97-AF65-F5344CB8AC3E}">
@@ -4766,6 +5195,517 @@
   <p:clrMapOvr>
     <a:masterClrMapping/>
   </p:clrMapOvr>
+  <p:timing>
+    <p:tnLst>
+      <p:par>
+        <p:cTn id="1" dur="indefinite" restart="never" nodeType="tmRoot">
+          <p:childTnLst>
+            <p:seq concurrent="1" nextAc="seek">
+              <p:cTn id="2" dur="indefinite" nodeType="mainSeq">
+                <p:childTnLst>
+                  <p:par>
+                    <p:cTn id="3" fill="hold">
+                      <p:stCondLst>
+                        <p:cond delay="indefinite"/>
+                      </p:stCondLst>
+                      <p:childTnLst>
+                        <p:par>
+                          <p:cTn id="4" fill="hold">
+                            <p:stCondLst>
+                              <p:cond delay="0"/>
+                            </p:stCondLst>
+                            <p:childTnLst>
+                              <p:par>
+                                <p:cTn id="5" presetID="55" presetClass="entr" presetSubtype="0" fill="hold" nodeType="clickEffect">
+                                  <p:stCondLst>
+                                    <p:cond delay="0"/>
+                                  </p:stCondLst>
+                                  <p:childTnLst>
+                                    <p:set>
+                                      <p:cBhvr>
+                                        <p:cTn id="6" dur="1" fill="hold">
+                                          <p:stCondLst>
+                                            <p:cond delay="0"/>
+                                          </p:stCondLst>
+                                        </p:cTn>
+                                        <p:tgtEl>
+                                          <p:spTgt spid="8"/>
+                                        </p:tgtEl>
+                                        <p:attrNameLst>
+                                          <p:attrName>style.visibility</p:attrName>
+                                        </p:attrNameLst>
+                                      </p:cBhvr>
+                                      <p:to>
+                                        <p:strVal val="visible"/>
+                                      </p:to>
+                                    </p:set>
+                                    <p:anim calcmode="lin" valueType="num">
+                                      <p:cBhvr>
+                                        <p:cTn id="7" dur="1000" fill="hold"/>
+                                        <p:tgtEl>
+                                          <p:spTgt spid="8"/>
+                                        </p:tgtEl>
+                                        <p:attrNameLst>
+                                          <p:attrName>ppt_w</p:attrName>
+                                        </p:attrNameLst>
+                                      </p:cBhvr>
+                                      <p:tavLst>
+                                        <p:tav tm="0">
+                                          <p:val>
+                                            <p:strVal val="#ppt_w*0.70"/>
+                                          </p:val>
+                                        </p:tav>
+                                        <p:tav tm="100000">
+                                          <p:val>
+                                            <p:strVal val="#ppt_w"/>
+                                          </p:val>
+                                        </p:tav>
+                                      </p:tavLst>
+                                    </p:anim>
+                                    <p:anim calcmode="lin" valueType="num">
+                                      <p:cBhvr>
+                                        <p:cTn id="8" dur="1000" fill="hold"/>
+                                        <p:tgtEl>
+                                          <p:spTgt spid="8"/>
+                                        </p:tgtEl>
+                                        <p:attrNameLst>
+                                          <p:attrName>ppt_h</p:attrName>
+                                        </p:attrNameLst>
+                                      </p:cBhvr>
+                                      <p:tavLst>
+                                        <p:tav tm="0">
+                                          <p:val>
+                                            <p:strVal val="#ppt_h"/>
+                                          </p:val>
+                                        </p:tav>
+                                        <p:tav tm="100000">
+                                          <p:val>
+                                            <p:strVal val="#ppt_h"/>
+                                          </p:val>
+                                        </p:tav>
+                                      </p:tavLst>
+                                    </p:anim>
+                                    <p:animEffect transition="in" filter="fade">
+                                      <p:cBhvr>
+                                        <p:cTn id="9" dur="1000"/>
+                                        <p:tgtEl>
+                                          <p:spTgt spid="8"/>
+                                        </p:tgtEl>
+                                      </p:cBhvr>
+                                    </p:animEffect>
+                                  </p:childTnLst>
+                                </p:cTn>
+                              </p:par>
+                            </p:childTnLst>
+                          </p:cTn>
+                        </p:par>
+                      </p:childTnLst>
+                    </p:cTn>
+                  </p:par>
+                  <p:par>
+                    <p:cTn id="10" fill="hold">
+                      <p:stCondLst>
+                        <p:cond delay="indefinite"/>
+                      </p:stCondLst>
+                      <p:childTnLst>
+                        <p:par>
+                          <p:cTn id="11" fill="hold">
+                            <p:stCondLst>
+                              <p:cond delay="0"/>
+                            </p:stCondLst>
+                            <p:childTnLst>
+                              <p:par>
+                                <p:cTn id="12" presetID="31" presetClass="entr" presetSubtype="0" fill="hold" nodeType="clickEffect">
+                                  <p:stCondLst>
+                                    <p:cond delay="0"/>
+                                  </p:stCondLst>
+                                  <p:childTnLst>
+                                    <p:set>
+                                      <p:cBhvr>
+                                        <p:cTn id="13" dur="1" fill="hold">
+                                          <p:stCondLst>
+                                            <p:cond delay="0"/>
+                                          </p:stCondLst>
+                                        </p:cTn>
+                                        <p:tgtEl>
+                                          <p:spTgt spid="4"/>
+                                        </p:tgtEl>
+                                        <p:attrNameLst>
+                                          <p:attrName>style.visibility</p:attrName>
+                                        </p:attrNameLst>
+                                      </p:cBhvr>
+                                      <p:to>
+                                        <p:strVal val="visible"/>
+                                      </p:to>
+                                    </p:set>
+                                    <p:anim calcmode="lin" valueType="num">
+                                      <p:cBhvr>
+                                        <p:cTn id="14" dur="1000" fill="hold"/>
+                                        <p:tgtEl>
+                                          <p:spTgt spid="4"/>
+                                        </p:tgtEl>
+                                        <p:attrNameLst>
+                                          <p:attrName>ppt_w</p:attrName>
+                                        </p:attrNameLst>
+                                      </p:cBhvr>
+                                      <p:tavLst>
+                                        <p:tav tm="0">
+                                          <p:val>
+                                            <p:fltVal val="0"/>
+                                          </p:val>
+                                        </p:tav>
+                                        <p:tav tm="100000">
+                                          <p:val>
+                                            <p:strVal val="#ppt_w"/>
+                                          </p:val>
+                                        </p:tav>
+                                      </p:tavLst>
+                                    </p:anim>
+                                    <p:anim calcmode="lin" valueType="num">
+                                      <p:cBhvr>
+                                        <p:cTn id="15" dur="1000" fill="hold"/>
+                                        <p:tgtEl>
+                                          <p:spTgt spid="4"/>
+                                        </p:tgtEl>
+                                        <p:attrNameLst>
+                                          <p:attrName>ppt_h</p:attrName>
+                                        </p:attrNameLst>
+                                      </p:cBhvr>
+                                      <p:tavLst>
+                                        <p:tav tm="0">
+                                          <p:val>
+                                            <p:fltVal val="0"/>
+                                          </p:val>
+                                        </p:tav>
+                                        <p:tav tm="100000">
+                                          <p:val>
+                                            <p:strVal val="#ppt_h"/>
+                                          </p:val>
+                                        </p:tav>
+                                      </p:tavLst>
+                                    </p:anim>
+                                    <p:anim calcmode="lin" valueType="num">
+                                      <p:cBhvr>
+                                        <p:cTn id="16" dur="1000" fill="hold"/>
+                                        <p:tgtEl>
+                                          <p:spTgt spid="4"/>
+                                        </p:tgtEl>
+                                        <p:attrNameLst>
+                                          <p:attrName>style.rotation</p:attrName>
+                                        </p:attrNameLst>
+                                      </p:cBhvr>
+                                      <p:tavLst>
+                                        <p:tav tm="0">
+                                          <p:val>
+                                            <p:fltVal val="90"/>
+                                          </p:val>
+                                        </p:tav>
+                                        <p:tav tm="100000">
+                                          <p:val>
+                                            <p:fltVal val="0"/>
+                                          </p:val>
+                                        </p:tav>
+                                      </p:tavLst>
+                                    </p:anim>
+                                    <p:animEffect transition="in" filter="fade">
+                                      <p:cBhvr>
+                                        <p:cTn id="17" dur="1000"/>
+                                        <p:tgtEl>
+                                          <p:spTgt spid="4"/>
+                                        </p:tgtEl>
+                                      </p:cBhvr>
+                                    </p:animEffect>
+                                  </p:childTnLst>
+                                </p:cTn>
+                              </p:par>
+                            </p:childTnLst>
+                          </p:cTn>
+                        </p:par>
+                      </p:childTnLst>
+                    </p:cTn>
+                  </p:par>
+                  <p:par>
+                    <p:cTn id="18" fill="hold">
+                      <p:stCondLst>
+                        <p:cond delay="indefinite"/>
+                      </p:stCondLst>
+                      <p:childTnLst>
+                        <p:par>
+                          <p:cTn id="19" fill="hold">
+                            <p:stCondLst>
+                              <p:cond delay="0"/>
+                            </p:stCondLst>
+                            <p:childTnLst>
+                              <p:par>
+                                <p:cTn id="20" presetID="5" presetClass="entr" presetSubtype="10" fill="hold" grpId="0" nodeType="clickEffect">
+                                  <p:stCondLst>
+                                    <p:cond delay="0"/>
+                                  </p:stCondLst>
+                                  <p:childTnLst>
+                                    <p:set>
+                                      <p:cBhvr>
+                                        <p:cTn id="21" dur="1" fill="hold">
+                                          <p:stCondLst>
+                                            <p:cond delay="0"/>
+                                          </p:stCondLst>
+                                        </p:cTn>
+                                        <p:tgtEl>
+                                          <p:spTgt spid="10"/>
+                                        </p:tgtEl>
+                                        <p:attrNameLst>
+                                          <p:attrName>style.visibility</p:attrName>
+                                        </p:attrNameLst>
+                                      </p:cBhvr>
+                                      <p:to>
+                                        <p:strVal val="visible"/>
+                                      </p:to>
+                                    </p:set>
+                                    <p:animEffect transition="in" filter="checkerboard(across)">
+                                      <p:cBhvr>
+                                        <p:cTn id="22" dur="500"/>
+                                        <p:tgtEl>
+                                          <p:spTgt spid="10"/>
+                                        </p:tgtEl>
+                                      </p:cBhvr>
+                                    </p:animEffect>
+                                  </p:childTnLst>
+                                </p:cTn>
+                              </p:par>
+                            </p:childTnLst>
+                          </p:cTn>
+                        </p:par>
+                      </p:childTnLst>
+                    </p:cTn>
+                  </p:par>
+                  <p:par>
+                    <p:cTn id="23" fill="hold">
+                      <p:stCondLst>
+                        <p:cond delay="indefinite"/>
+                      </p:stCondLst>
+                      <p:childTnLst>
+                        <p:par>
+                          <p:cTn id="24" fill="hold">
+                            <p:stCondLst>
+                              <p:cond delay="0"/>
+                            </p:stCondLst>
+                            <p:childTnLst>
+                              <p:par>
+                                <p:cTn id="25" presetID="56" presetClass="entr" presetSubtype="0" fill="hold" grpId="0" nodeType="clickEffect">
+                                  <p:stCondLst>
+                                    <p:cond delay="0"/>
+                                  </p:stCondLst>
+                                  <p:iterate type="lt">
+                                    <p:tmPct val="10000"/>
+                                  </p:iterate>
+                                  <p:childTnLst>
+                                    <p:set>
+                                      <p:cBhvr>
+                                        <p:cTn id="26" dur="1" fill="hold">
+                                          <p:stCondLst>
+                                            <p:cond delay="0"/>
+                                          </p:stCondLst>
+                                        </p:cTn>
+                                        <p:tgtEl>
+                                          <p:spTgt spid="6"/>
+                                        </p:tgtEl>
+                                        <p:attrNameLst>
+                                          <p:attrName>style.visibility</p:attrName>
+                                        </p:attrNameLst>
+                                      </p:cBhvr>
+                                      <p:to>
+                                        <p:strVal val="visible"/>
+                                      </p:to>
+                                    </p:set>
+                                    <p:anim by="(-#ppt_w*2)" calcmode="lin" valueType="num">
+                                      <p:cBhvr rctx="PPT">
+                                        <p:cTn id="27" dur="375" autoRev="1" fill="hold">
+                                          <p:stCondLst>
+                                            <p:cond delay="0"/>
+                                          </p:stCondLst>
+                                        </p:cTn>
+                                        <p:tgtEl>
+                                          <p:spTgt spid="6"/>
+                                        </p:tgtEl>
+                                        <p:attrNameLst>
+                                          <p:attrName>ppt_w</p:attrName>
+                                        </p:attrNameLst>
+                                      </p:cBhvr>
+                                    </p:anim>
+                                    <p:anim by="(#ppt_w*0.50)" calcmode="lin" valueType="num">
+                                      <p:cBhvr>
+                                        <p:cTn id="28" dur="375" decel="50000" autoRev="1" fill="hold">
+                                          <p:stCondLst>
+                                            <p:cond delay="0"/>
+                                          </p:stCondLst>
+                                        </p:cTn>
+                                        <p:tgtEl>
+                                          <p:spTgt spid="6"/>
+                                        </p:tgtEl>
+                                        <p:attrNameLst>
+                                          <p:attrName>ppt_x</p:attrName>
+                                        </p:attrNameLst>
+                                      </p:cBhvr>
+                                    </p:anim>
+                                    <p:anim from="(-#ppt_h/2)" to="(#ppt_y)" calcmode="lin" valueType="num">
+                                      <p:cBhvr>
+                                        <p:cTn id="29" dur="750" fill="hold">
+                                          <p:stCondLst>
+                                            <p:cond delay="0"/>
+                                          </p:stCondLst>
+                                        </p:cTn>
+                                        <p:tgtEl>
+                                          <p:spTgt spid="6"/>
+                                        </p:tgtEl>
+                                        <p:attrNameLst>
+                                          <p:attrName>ppt_y</p:attrName>
+                                        </p:attrNameLst>
+                                      </p:cBhvr>
+                                    </p:anim>
+                                    <p:animRot by="21600000">
+                                      <p:cBhvr>
+                                        <p:cTn id="30" dur="750" fill="hold">
+                                          <p:stCondLst>
+                                            <p:cond delay="0"/>
+                                          </p:stCondLst>
+                                        </p:cTn>
+                                        <p:tgtEl>
+                                          <p:spTgt spid="6"/>
+                                        </p:tgtEl>
+                                        <p:attrNameLst>
+                                          <p:attrName>r</p:attrName>
+                                        </p:attrNameLst>
+                                      </p:cBhvr>
+                                    </p:animRot>
+                                  </p:childTnLst>
+                                </p:cTn>
+                              </p:par>
+                            </p:childTnLst>
+                          </p:cTn>
+                        </p:par>
+                      </p:childTnLst>
+                    </p:cTn>
+                  </p:par>
+                  <p:par>
+                    <p:cTn id="31" fill="hold">
+                      <p:stCondLst>
+                        <p:cond delay="indefinite"/>
+                      </p:stCondLst>
+                      <p:childTnLst>
+                        <p:par>
+                          <p:cTn id="32" fill="hold">
+                            <p:stCondLst>
+                              <p:cond delay="0"/>
+                            </p:stCondLst>
+                            <p:childTnLst>
+                              <p:par>
+                                <p:cTn id="33" presetID="2" presetClass="entr" presetSubtype="4" fill="hold" grpId="1" nodeType="clickEffect">
+                                  <p:stCondLst>
+                                    <p:cond delay="0"/>
+                                  </p:stCondLst>
+                                  <p:iterate type="lt">
+                                    <p:tmPct val="0"/>
+                                  </p:iterate>
+                                  <p:childTnLst>
+                                    <p:set>
+                                      <p:cBhvr>
+                                        <p:cTn id="34" dur="1" fill="hold">
+                                          <p:stCondLst>
+                                            <p:cond delay="0"/>
+                                          </p:stCondLst>
+                                        </p:cTn>
+                                        <p:tgtEl>
+                                          <p:spTgt spid="12"/>
+                                        </p:tgtEl>
+                                        <p:attrNameLst>
+                                          <p:attrName>style.visibility</p:attrName>
+                                        </p:attrNameLst>
+                                      </p:cBhvr>
+                                      <p:to>
+                                        <p:strVal val="visible"/>
+                                      </p:to>
+                                    </p:set>
+                                    <p:anim calcmode="lin" valueType="num">
+                                      <p:cBhvr additive="base">
+                                        <p:cTn id="35" dur="500" fill="hold"/>
+                                        <p:tgtEl>
+                                          <p:spTgt spid="12"/>
+                                        </p:tgtEl>
+                                        <p:attrNameLst>
+                                          <p:attrName>ppt_x</p:attrName>
+                                        </p:attrNameLst>
+                                      </p:cBhvr>
+                                      <p:tavLst>
+                                        <p:tav tm="0">
+                                          <p:val>
+                                            <p:strVal val="#ppt_x"/>
+                                          </p:val>
+                                        </p:tav>
+                                        <p:tav tm="100000">
+                                          <p:val>
+                                            <p:strVal val="#ppt_x"/>
+                                          </p:val>
+                                        </p:tav>
+                                      </p:tavLst>
+                                    </p:anim>
+                                    <p:anim calcmode="lin" valueType="num">
+                                      <p:cBhvr additive="base">
+                                        <p:cTn id="36" dur="500" fill="hold"/>
+                                        <p:tgtEl>
+                                          <p:spTgt spid="12"/>
+                                        </p:tgtEl>
+                                        <p:attrNameLst>
+                                          <p:attrName>ppt_y</p:attrName>
+                                        </p:attrNameLst>
+                                      </p:cBhvr>
+                                      <p:tavLst>
+                                        <p:tav tm="0">
+                                          <p:val>
+                                            <p:strVal val="1+#ppt_h/2"/>
+                                          </p:val>
+                                        </p:tav>
+                                        <p:tav tm="100000">
+                                          <p:val>
+                                            <p:strVal val="#ppt_y"/>
+                                          </p:val>
+                                        </p:tav>
+                                      </p:tavLst>
+                                    </p:anim>
+                                  </p:childTnLst>
+                                </p:cTn>
+                              </p:par>
+                            </p:childTnLst>
+                          </p:cTn>
+                        </p:par>
+                      </p:childTnLst>
+                    </p:cTn>
+                  </p:par>
+                </p:childTnLst>
+              </p:cTn>
+              <p:prevCondLst>
+                <p:cond evt="onPrev" delay="0">
+                  <p:tgtEl>
+                    <p:sldTgt/>
+                  </p:tgtEl>
+                </p:cond>
+              </p:prevCondLst>
+              <p:nextCondLst>
+                <p:cond evt="onNext" delay="0">
+                  <p:tgtEl>
+                    <p:sldTgt/>
+                  </p:tgtEl>
+                </p:cond>
+              </p:nextCondLst>
+            </p:seq>
+          </p:childTnLst>
+        </p:cTn>
+      </p:par>
+    </p:tnLst>
+    <p:bldLst>
+      <p:bldP spid="10" grpId="0"/>
+      <p:bldP spid="6" grpId="0"/>
+      <p:bldP spid="12" grpId="1"/>
+    </p:bldLst>
+  </p:timing>
 </p:sld>
 </file>
 
@@ -5501,8 +6441,8 @@
         </p:nvSpPr>
         <p:spPr>
           <a:xfrm>
-            <a:off x="1073658" y="1725931"/>
-            <a:ext cx="10322052" cy="5052059"/>
+            <a:off x="1073658" y="1802132"/>
+            <a:ext cx="10322052" cy="636268"/>
           </a:xfrm>
           <a:prstGeom prst="rect">
             <a:avLst/>
@@ -5510,7 +6450,7 @@
         </p:spPr>
         <p:txBody>
           <a:bodyPr vert="horz" lIns="91440" tIns="45720" rIns="91440" bIns="45720" rtlCol="0" anchor="ctr">
-            <a:normAutofit fontScale="40000" lnSpcReduction="20000"/>
+            <a:normAutofit fontScale="62500" lnSpcReduction="20000"/>
           </a:bodyPr>
           <a:lstStyle>
             <a:lvl1pPr algn="l" defTabSz="914400" rtl="0" eaLnBrk="1" latinLnBrk="0" hangingPunct="1">
@@ -5550,103 +6490,6 @@
             </a:r>
           </a:p>
           <a:p>
-            <a:pPr>
-              <a:lnSpc>
-                <a:spcPct val="170000"/>
-              </a:lnSpc>
-            </a:pPr>
-            <a:endParaRPr lang="en-US" sz="3600" dirty="0"/>
-          </a:p>
-          <a:p>
-            <a:pPr>
-              <a:lnSpc>
-                <a:spcPct val="170000"/>
-              </a:lnSpc>
-            </a:pPr>
-            <a:r>
-              <a:rPr lang="en-US" sz="3600" dirty="0"/>
-              <a:t>Steps :</a:t>
-            </a:r>
-          </a:p>
-          <a:p>
-            <a:pPr marL="571500" indent="-571500">
-              <a:lnSpc>
-                <a:spcPct val="170000"/>
-              </a:lnSpc>
-              <a:buFont typeface="Arial" panose="020B0604020202020204" pitchFamily="34" charset="0"/>
-              <a:buChar char="•"/>
-            </a:pPr>
-            <a:r>
-              <a:rPr lang="en-US" sz="3600" dirty="0"/>
-              <a:t>Identify dependent and potential predictor variables</a:t>
-            </a:r>
-          </a:p>
-          <a:p>
-            <a:pPr marL="571500" indent="-571500">
-              <a:lnSpc>
-                <a:spcPct val="170000"/>
-              </a:lnSpc>
-              <a:buFont typeface="Arial" panose="020B0604020202020204" pitchFamily="34" charset="0"/>
-              <a:buChar char="•"/>
-            </a:pPr>
-            <a:r>
-              <a:rPr lang="en-US" sz="3600" dirty="0"/>
-              <a:t>Check initial correlation between dependent and potential predictor variables</a:t>
-            </a:r>
-          </a:p>
-          <a:p>
-            <a:pPr marL="571500" indent="-571500">
-              <a:lnSpc>
-                <a:spcPct val="170000"/>
-              </a:lnSpc>
-              <a:buFont typeface="Arial" panose="020B0604020202020204" pitchFamily="34" charset="0"/>
-              <a:buChar char="•"/>
-            </a:pPr>
-            <a:r>
-              <a:rPr lang="en-US" sz="3600" dirty="0"/>
-              <a:t>Short-list 3 most correlated predictor variables </a:t>
-            </a:r>
-          </a:p>
-          <a:p>
-            <a:pPr marL="571500" indent="-571500">
-              <a:lnSpc>
-                <a:spcPct val="170000"/>
-              </a:lnSpc>
-              <a:buFont typeface="Arial" panose="020B0604020202020204" pitchFamily="34" charset="0"/>
-              <a:buChar char="•"/>
-            </a:pPr>
-            <a:r>
-              <a:rPr lang="en-US" sz="3600" dirty="0"/>
-              <a:t>run uni-variate linear regression model for each predictor variable</a:t>
-            </a:r>
-          </a:p>
-          <a:p>
-            <a:pPr marL="571500" indent="-571500">
-              <a:lnSpc>
-                <a:spcPct val="170000"/>
-              </a:lnSpc>
-              <a:buFont typeface="Arial" panose="020B0604020202020204" pitchFamily="34" charset="0"/>
-              <a:buChar char="•"/>
-            </a:pPr>
-            <a:r>
-              <a:rPr lang="en-US" sz="3600" dirty="0"/>
-              <a:t>Run multi-variate linear regression model for all 3 predictor variable</a:t>
-            </a:r>
-          </a:p>
-          <a:p>
-            <a:pPr marL="571500" indent="-571500">
-              <a:lnSpc>
-                <a:spcPct val="170000"/>
-              </a:lnSpc>
-              <a:buFont typeface="Arial" panose="020B0604020202020204" pitchFamily="34" charset="0"/>
-              <a:buChar char="•"/>
-            </a:pPr>
-            <a:r>
-              <a:rPr lang="en-US" sz="3600" dirty="0"/>
-              <a:t>Use the coefficients and y-intercept to predict future outcomes</a:t>
-            </a:r>
-          </a:p>
-          <a:p>
             <a:pPr marL="571500" indent="-571500">
               <a:lnSpc>
                 <a:spcPct val="170000"/>
@@ -5656,6 +6499,61 @@
             </a:pPr>
             <a:endParaRPr lang="en-US" sz="3600" dirty="0"/>
           </a:p>
+        </p:txBody>
+      </p:sp>
+      <p:sp>
+        <p:nvSpPr>
+          <p:cNvPr id="7" name="Title 1">
+            <a:extLst>
+              <a:ext uri="{FF2B5EF4-FFF2-40B4-BE49-F238E27FC236}">
+                <a16:creationId xmlns:a16="http://schemas.microsoft.com/office/drawing/2014/main" id="{25D613CC-4DD0-784A-922C-6C7B02AA91D5}"/>
+              </a:ext>
+            </a:extLst>
+          </p:cNvPr>
+          <p:cNvSpPr txBox="1">
+            <a:spLocks/>
+          </p:cNvSpPr>
+          <p:nvPr/>
+        </p:nvSpPr>
+        <p:spPr>
+          <a:xfrm>
+            <a:off x="1073658" y="2578608"/>
+            <a:ext cx="10322052" cy="2907792"/>
+          </a:xfrm>
+          <a:prstGeom prst="rect">
+            <a:avLst/>
+          </a:prstGeom>
+        </p:spPr>
+        <p:txBody>
+          <a:bodyPr vert="horz" lIns="91440" tIns="45720" rIns="91440" bIns="45720" rtlCol="0" anchor="ctr">
+            <a:normAutofit fontScale="55000" lnSpcReduction="20000"/>
+          </a:bodyPr>
+          <a:lstStyle>
+            <a:lvl1pPr algn="l" defTabSz="914400" rtl="0" eaLnBrk="1" latinLnBrk="0" hangingPunct="1">
+              <a:lnSpc>
+                <a:spcPct val="90000"/>
+              </a:lnSpc>
+              <a:spcBef>
+                <a:spcPct val="0"/>
+              </a:spcBef>
+              <a:buNone/>
+              <a:defRPr sz="5400" kern="1200" cap="all" baseline="0">
+                <a:blipFill>
+                  <a:blip r:embed="rId3">
+                    <a:extLst>
+                      <a:ext uri="{28A0092B-C50C-407E-A947-70E740481C1C}">
+                        <a14:useLocalDpi xmlns:a14="http://schemas.microsoft.com/office/drawing/2010/main" val="0"/>
+                      </a:ext>
+                    </a:extLst>
+                  </a:blip>
+                  <a:tile tx="6350" ty="-127000" sx="65000" sy="64000" flip="none" algn="tl"/>
+                </a:blipFill>
+                <a:latin typeface="+mj-lt"/>
+                <a:ea typeface="+mj-ea"/>
+                <a:cs typeface="+mj-cs"/>
+              </a:defRPr>
+            </a:lvl1pPr>
+          </a:lstStyle>
           <a:p>
             <a:pPr>
               <a:lnSpc>
@@ -5663,10 +6561,163 @@
               </a:lnSpc>
             </a:pPr>
             <a:r>
-              <a:rPr lang="en-US" sz="3600" dirty="0"/>
-              <a:t>Conclusion :</a:t>
-            </a:r>
-          </a:p>
+              <a:rPr lang="en-US" sz="2900" dirty="0"/>
+              <a:t>Steps :</a:t>
+            </a:r>
+          </a:p>
+          <a:p>
+            <a:pPr marL="571500" indent="-571500">
+              <a:lnSpc>
+                <a:spcPct val="170000"/>
+              </a:lnSpc>
+              <a:buFont typeface="Arial" panose="020B0604020202020204" pitchFamily="34" charset="0"/>
+              <a:buChar char="•"/>
+            </a:pPr>
+            <a:r>
+              <a:rPr lang="en-US" sz="2900" dirty="0"/>
+              <a:t>Identify dependent and potential predictor variables</a:t>
+            </a:r>
+          </a:p>
+          <a:p>
+            <a:pPr marL="571500" indent="-571500">
+              <a:lnSpc>
+                <a:spcPct val="170000"/>
+              </a:lnSpc>
+              <a:buFont typeface="Arial" panose="020B0604020202020204" pitchFamily="34" charset="0"/>
+              <a:buChar char="•"/>
+            </a:pPr>
+            <a:r>
+              <a:rPr lang="en-US" sz="2900" dirty="0"/>
+              <a:t>Check initial correlation between dependent and potential predictor variables</a:t>
+            </a:r>
+          </a:p>
+          <a:p>
+            <a:pPr marL="571500" indent="-571500">
+              <a:lnSpc>
+                <a:spcPct val="170000"/>
+              </a:lnSpc>
+              <a:buFont typeface="Arial" panose="020B0604020202020204" pitchFamily="34" charset="0"/>
+              <a:buChar char="•"/>
+            </a:pPr>
+            <a:r>
+              <a:rPr lang="en-US" sz="2900" dirty="0"/>
+              <a:t>Short-list 3 most correlated predictor variables </a:t>
+            </a:r>
+          </a:p>
+          <a:p>
+            <a:pPr marL="571500" indent="-571500">
+              <a:lnSpc>
+                <a:spcPct val="170000"/>
+              </a:lnSpc>
+              <a:buFont typeface="Arial" panose="020B0604020202020204" pitchFamily="34" charset="0"/>
+              <a:buChar char="•"/>
+            </a:pPr>
+            <a:r>
+              <a:rPr lang="en-US" sz="2900" dirty="0"/>
+              <a:t>run uni-variate linear regression model for each predictor variable</a:t>
+            </a:r>
+          </a:p>
+          <a:p>
+            <a:pPr marL="571500" indent="-571500">
+              <a:lnSpc>
+                <a:spcPct val="170000"/>
+              </a:lnSpc>
+              <a:buFont typeface="Arial" panose="020B0604020202020204" pitchFamily="34" charset="0"/>
+              <a:buChar char="•"/>
+            </a:pPr>
+            <a:r>
+              <a:rPr lang="en-US" sz="2900" dirty="0"/>
+              <a:t>Run multi-variate linear regression model for all 3 predictor variable</a:t>
+            </a:r>
+          </a:p>
+          <a:p>
+            <a:pPr marL="571500" indent="-571500">
+              <a:lnSpc>
+                <a:spcPct val="170000"/>
+              </a:lnSpc>
+              <a:buFont typeface="Arial" panose="020B0604020202020204" pitchFamily="34" charset="0"/>
+              <a:buChar char="•"/>
+            </a:pPr>
+            <a:r>
+              <a:rPr lang="en-US" sz="2900" dirty="0"/>
+              <a:t>Use the coefficients and y-intercept to predict future outcomes</a:t>
+            </a:r>
+          </a:p>
+          <a:p>
+            <a:pPr marL="571500" indent="-571500">
+              <a:lnSpc>
+                <a:spcPct val="170000"/>
+              </a:lnSpc>
+              <a:buFont typeface="Arial" panose="020B0604020202020204" pitchFamily="34" charset="0"/>
+              <a:buChar char="•"/>
+            </a:pPr>
+            <a:endParaRPr lang="en-US" sz="3600" dirty="0"/>
+          </a:p>
+          <a:p>
+            <a:pPr marL="571500" indent="-571500">
+              <a:lnSpc>
+                <a:spcPct val="170000"/>
+              </a:lnSpc>
+              <a:buFont typeface="Arial" panose="020B0604020202020204" pitchFamily="34" charset="0"/>
+              <a:buChar char="•"/>
+            </a:pPr>
+            <a:endParaRPr lang="en-US" sz="3600" dirty="0"/>
+          </a:p>
+        </p:txBody>
+      </p:sp>
+      <p:sp>
+        <p:nvSpPr>
+          <p:cNvPr id="10" name="Title 1">
+            <a:extLst>
+              <a:ext uri="{FF2B5EF4-FFF2-40B4-BE49-F238E27FC236}">
+                <a16:creationId xmlns:a16="http://schemas.microsoft.com/office/drawing/2014/main" id="{C47088F2-8035-F742-9E3B-E31C3BF0A600}"/>
+              </a:ext>
+            </a:extLst>
+          </p:cNvPr>
+          <p:cNvSpPr txBox="1">
+            <a:spLocks/>
+          </p:cNvSpPr>
+          <p:nvPr/>
+        </p:nvSpPr>
+        <p:spPr>
+          <a:xfrm>
+            <a:off x="1073658" y="5105400"/>
+            <a:ext cx="10779252" cy="1744981"/>
+          </a:xfrm>
+          <a:prstGeom prst="rect">
+            <a:avLst/>
+          </a:prstGeom>
+        </p:spPr>
+        <p:txBody>
+          <a:bodyPr vert="horz" lIns="91440" tIns="45720" rIns="91440" bIns="45720" rtlCol="0" anchor="ctr">
+            <a:normAutofit fontScale="55000" lnSpcReduction="20000"/>
+          </a:bodyPr>
+          <a:lstStyle>
+            <a:lvl1pPr algn="l" defTabSz="914400" rtl="0" eaLnBrk="1" latinLnBrk="0" hangingPunct="1">
+              <a:lnSpc>
+                <a:spcPct val="90000"/>
+              </a:lnSpc>
+              <a:spcBef>
+                <a:spcPct val="0"/>
+              </a:spcBef>
+              <a:buNone/>
+              <a:defRPr sz="5400" kern="1200" cap="all" baseline="0">
+                <a:blipFill>
+                  <a:blip r:embed="rId3">
+                    <a:extLst>
+                      <a:ext uri="{28A0092B-C50C-407E-A947-70E740481C1C}">
+                        <a14:useLocalDpi xmlns:a14="http://schemas.microsoft.com/office/drawing/2010/main" val="0"/>
+                      </a:ext>
+                    </a:extLst>
+                  </a:blip>
+                  <a:tile tx="6350" ty="-127000" sx="65000" sy="64000" flip="none" algn="tl"/>
+                </a:blipFill>
+                <a:latin typeface="+mj-lt"/>
+                <a:ea typeface="+mj-ea"/>
+                <a:cs typeface="+mj-cs"/>
+              </a:defRPr>
+            </a:lvl1pPr>
+          </a:lstStyle>
           <a:p>
             <a:pPr>
               <a:lnSpc>
@@ -5674,8 +6725,8 @@
               </a:lnSpc>
             </a:pPr>
             <a:r>
-              <a:rPr lang="en-US" sz="3600" dirty="0"/>
-              <a:t>A peek into the future </a:t>
+              <a:rPr lang="en-US" sz="2900" dirty="0"/>
+              <a:t>Result &amp; Conclusion :</a:t>
             </a:r>
           </a:p>
           <a:p>
@@ -5685,8 +6736,34 @@
               </a:lnSpc>
             </a:pPr>
             <a:r>
-              <a:rPr lang="en-US" sz="3700" dirty="0"/>
-              <a:t>What if the wages continue to rise at their current rate and the mortgage rate (30 year fixed) holds steady at 4.6 % ...Can you afford to buy a median price home in the future???</a:t>
+              <a:rPr lang="en-US" sz="2900" dirty="0"/>
+              <a:t>A peek into the future </a:t>
+            </a:r>
+          </a:p>
+          <a:p>
+            <a:pPr>
+              <a:lnSpc>
+                <a:spcPct val="170000"/>
+              </a:lnSpc>
+            </a:pPr>
+            <a:r>
+              <a:rPr lang="en-US" sz="2900" dirty="0"/>
+              <a:t>What if the wages continue to rise at their current rate and the mortgage rate (30 year fixed) holds steady at 4.6 %,</a:t>
+            </a:r>
+          </a:p>
+          <a:p>
+            <a:pPr>
+              <a:lnSpc>
+                <a:spcPct val="170000"/>
+              </a:lnSpc>
+            </a:pPr>
+            <a:r>
+              <a:rPr lang="en-US" sz="4000" dirty="0">
+                <a:solidFill>
+                  <a:schemeClr val="accent1"/>
+                </a:solidFill>
+              </a:rPr>
+              <a:t> ........Can you afford to buy a median price home in the future???</a:t>
             </a:r>
           </a:p>
           <a:p>
@@ -5711,6 +6788,222 @@
   <p:clrMapOvr>
     <a:masterClrMapping/>
   </p:clrMapOvr>
+  <p:timing>
+    <p:tnLst>
+      <p:par>
+        <p:cTn id="1" dur="indefinite" restart="never" nodeType="tmRoot">
+          <p:childTnLst>
+            <p:seq concurrent="1" nextAc="seek">
+              <p:cTn id="2" dur="indefinite" nodeType="mainSeq">
+                <p:childTnLst>
+                  <p:par>
+                    <p:cTn id="3" fill="hold">
+                      <p:stCondLst>
+                        <p:cond delay="indefinite"/>
+                      </p:stCondLst>
+                      <p:childTnLst>
+                        <p:par>
+                          <p:cTn id="4" fill="hold">
+                            <p:stCondLst>
+                              <p:cond delay="0"/>
+                            </p:stCondLst>
+                            <p:childTnLst>
+                              <p:par>
+                                <p:cTn id="5" presetID="2" presetClass="entr" presetSubtype="4" fill="hold" grpId="0" nodeType="clickEffect">
+                                  <p:stCondLst>
+                                    <p:cond delay="0"/>
+                                  </p:stCondLst>
+                                  <p:childTnLst>
+                                    <p:set>
+                                      <p:cBhvr>
+                                        <p:cTn id="6" dur="1" fill="hold">
+                                          <p:stCondLst>
+                                            <p:cond delay="0"/>
+                                          </p:stCondLst>
+                                        </p:cTn>
+                                        <p:tgtEl>
+                                          <p:spTgt spid="7"/>
+                                        </p:tgtEl>
+                                        <p:attrNameLst>
+                                          <p:attrName>style.visibility</p:attrName>
+                                        </p:attrNameLst>
+                                      </p:cBhvr>
+                                      <p:to>
+                                        <p:strVal val="visible"/>
+                                      </p:to>
+                                    </p:set>
+                                    <p:anim calcmode="lin" valueType="num">
+                                      <p:cBhvr additive="base">
+                                        <p:cTn id="7" dur="500" fill="hold"/>
+                                        <p:tgtEl>
+                                          <p:spTgt spid="7"/>
+                                        </p:tgtEl>
+                                        <p:attrNameLst>
+                                          <p:attrName>ppt_x</p:attrName>
+                                        </p:attrNameLst>
+                                      </p:cBhvr>
+                                      <p:tavLst>
+                                        <p:tav tm="0">
+                                          <p:val>
+                                            <p:strVal val="#ppt_x"/>
+                                          </p:val>
+                                        </p:tav>
+                                        <p:tav tm="100000">
+                                          <p:val>
+                                            <p:strVal val="#ppt_x"/>
+                                          </p:val>
+                                        </p:tav>
+                                      </p:tavLst>
+                                    </p:anim>
+                                    <p:anim calcmode="lin" valueType="num">
+                                      <p:cBhvr additive="base">
+                                        <p:cTn id="8" dur="500" fill="hold"/>
+                                        <p:tgtEl>
+                                          <p:spTgt spid="7"/>
+                                        </p:tgtEl>
+                                        <p:attrNameLst>
+                                          <p:attrName>ppt_y</p:attrName>
+                                        </p:attrNameLst>
+                                      </p:cBhvr>
+                                      <p:tavLst>
+                                        <p:tav tm="0">
+                                          <p:val>
+                                            <p:strVal val="1+#ppt_h/2"/>
+                                          </p:val>
+                                        </p:tav>
+                                        <p:tav tm="100000">
+                                          <p:val>
+                                            <p:strVal val="#ppt_y"/>
+                                          </p:val>
+                                        </p:tav>
+                                      </p:tavLst>
+                                    </p:anim>
+                                  </p:childTnLst>
+                                </p:cTn>
+                              </p:par>
+                            </p:childTnLst>
+                          </p:cTn>
+                        </p:par>
+                      </p:childTnLst>
+                    </p:cTn>
+                  </p:par>
+                  <p:par>
+                    <p:cTn id="9" fill="hold">
+                      <p:stCondLst>
+                        <p:cond delay="indefinite"/>
+                      </p:stCondLst>
+                      <p:childTnLst>
+                        <p:par>
+                          <p:cTn id="10" fill="hold">
+                            <p:stCondLst>
+                              <p:cond delay="0"/>
+                            </p:stCondLst>
+                            <p:childTnLst>
+                              <p:par>
+                                <p:cTn id="11" presetID="2" presetClass="entr" presetSubtype="4" fill="hold" grpId="0" nodeType="clickEffect">
+                                  <p:stCondLst>
+                                    <p:cond delay="0"/>
+                                  </p:stCondLst>
+                                  <p:childTnLst>
+                                    <p:set>
+                                      <p:cBhvr>
+                                        <p:cTn id="12" dur="1" fill="hold">
+                                          <p:stCondLst>
+                                            <p:cond delay="0"/>
+                                          </p:stCondLst>
+                                        </p:cTn>
+                                        <p:tgtEl>
+                                          <p:spTgt spid="10"/>
+                                        </p:tgtEl>
+                                        <p:attrNameLst>
+                                          <p:attrName>style.visibility</p:attrName>
+                                        </p:attrNameLst>
+                                      </p:cBhvr>
+                                      <p:to>
+                                        <p:strVal val="visible"/>
+                                      </p:to>
+                                    </p:set>
+                                    <p:anim calcmode="lin" valueType="num">
+                                      <p:cBhvr additive="base">
+                                        <p:cTn id="13" dur="500" fill="hold"/>
+                                        <p:tgtEl>
+                                          <p:spTgt spid="10"/>
+                                        </p:tgtEl>
+                                        <p:attrNameLst>
+                                          <p:attrName>ppt_x</p:attrName>
+                                        </p:attrNameLst>
+                                      </p:cBhvr>
+                                      <p:tavLst>
+                                        <p:tav tm="0">
+                                          <p:val>
+                                            <p:strVal val="#ppt_x"/>
+                                          </p:val>
+                                        </p:tav>
+                                        <p:tav tm="100000">
+                                          <p:val>
+                                            <p:strVal val="#ppt_x"/>
+                                          </p:val>
+                                        </p:tav>
+                                      </p:tavLst>
+                                    </p:anim>
+                                    <p:anim calcmode="lin" valueType="num">
+                                      <p:cBhvr additive="base">
+                                        <p:cTn id="14" dur="500" fill="hold"/>
+                                        <p:tgtEl>
+                                          <p:spTgt spid="10"/>
+                                        </p:tgtEl>
+                                        <p:attrNameLst>
+                                          <p:attrName>ppt_y</p:attrName>
+                                        </p:attrNameLst>
+                                      </p:cBhvr>
+                                      <p:tavLst>
+                                        <p:tav tm="0">
+                                          <p:val>
+                                            <p:strVal val="1+#ppt_h/2"/>
+                                          </p:val>
+                                        </p:tav>
+                                        <p:tav tm="100000">
+                                          <p:val>
+                                            <p:strVal val="#ppt_y"/>
+                                          </p:val>
+                                        </p:tav>
+                                      </p:tavLst>
+                                    </p:anim>
+                                  </p:childTnLst>
+                                </p:cTn>
+                              </p:par>
+                            </p:childTnLst>
+                          </p:cTn>
+                        </p:par>
+                      </p:childTnLst>
+                    </p:cTn>
+                  </p:par>
+                </p:childTnLst>
+              </p:cTn>
+              <p:prevCondLst>
+                <p:cond evt="onPrev" delay="0">
+                  <p:tgtEl>
+                    <p:sldTgt/>
+                  </p:tgtEl>
+                </p:cond>
+              </p:prevCondLst>
+              <p:nextCondLst>
+                <p:cond evt="onNext" delay="0">
+                  <p:tgtEl>
+                    <p:sldTgt/>
+                  </p:tgtEl>
+                </p:cond>
+              </p:nextCondLst>
+            </p:seq>
+          </p:childTnLst>
+        </p:cTn>
+      </p:par>
+    </p:tnLst>
+    <p:bldLst>
+      <p:bldP spid="7" grpId="0"/>
+      <p:bldP spid="10" grpId="0"/>
+    </p:bldLst>
+  </p:timing>
 </p:sld>
 </file>
 
@@ -5862,14 +7155,14 @@
           <p:nvPr>
             <p:extLst>
               <p:ext uri="{D42A27DB-BD31-4B8C-83A1-F6EECF244321}">
-                <p14:modId xmlns:p14="http://schemas.microsoft.com/office/powerpoint/2010/main" val="374647494"/>
+                <p14:modId xmlns:p14="http://schemas.microsoft.com/office/powerpoint/2010/main" val="3652613557"/>
               </p:ext>
             </p:extLst>
           </p:nvPr>
         </p:nvGraphicFramePr>
         <p:xfrm>
           <a:off x="571500" y="1874520"/>
-          <a:ext cx="5806440" cy="4503039"/>
+          <a:ext cx="5806440" cy="4565370"/>
         </p:xfrm>
         <a:graphic>
           <a:graphicData uri="http://schemas.openxmlformats.org/drawingml/2006/table">
@@ -5933,12 +7226,17 @@
                         </a:rPr>
                         <a:t>BAY AREA LEVEL</a:t>
                       </a:r>
-                      <a:endParaRPr lang="en-US" sz="1600" b="0" dirty="0">
-                        <a:solidFill>
-                          <a:sysClr val="windowText" lastClr="000000"/>
-                        </a:solidFill>
-                        <a:latin typeface="+mj-lt"/>
-                      </a:endParaRPr>
+                    </a:p>
+                    <a:p>
+                      <a:r>
+                        <a:rPr lang="en-US" sz="1600" b="0" dirty="0">
+                          <a:solidFill>
+                            <a:sysClr val="windowText" lastClr="000000"/>
+                          </a:solidFill>
+                          <a:latin typeface="+mj-lt"/>
+                        </a:rPr>
+                        <a:t>correlation</a:t>
+                      </a:r>
                     </a:p>
                   </a:txBody>
                   <a:tcPr/>
@@ -5954,12 +7252,17 @@
                         </a:rPr>
                         <a:t>COUNTY LEVEL</a:t>
                       </a:r>
-                      <a:endParaRPr lang="en-US" sz="1600" b="0" dirty="0">
-                        <a:solidFill>
-                          <a:sysClr val="windowText" lastClr="000000"/>
-                        </a:solidFill>
-                        <a:latin typeface="+mj-lt"/>
-                      </a:endParaRPr>
+                    </a:p>
+                    <a:p>
+                      <a:r>
+                        <a:rPr lang="en-US" sz="1600" b="0" dirty="0">
+                          <a:solidFill>
+                            <a:sysClr val="windowText" lastClr="000000"/>
+                          </a:solidFill>
+                          <a:latin typeface="+mj-lt"/>
+                        </a:rPr>
+                        <a:t>correlation</a:t>
+                      </a:r>
                     </a:p>
                   </a:txBody>
                   <a:tcPr/>
@@ -6826,6 +8129,599 @@
   <p:clrMapOvr>
     <a:masterClrMapping/>
   </p:clrMapOvr>
+  <p:timing>
+    <p:tnLst>
+      <p:par>
+        <p:cTn id="1" dur="indefinite" restart="never" nodeType="tmRoot">
+          <p:childTnLst>
+            <p:seq concurrent="1" nextAc="seek">
+              <p:cTn id="2" dur="indefinite" nodeType="mainSeq">
+                <p:childTnLst>
+                  <p:par>
+                    <p:cTn id="3" fill="hold">
+                      <p:stCondLst>
+                        <p:cond delay="indefinite"/>
+                      </p:stCondLst>
+                      <p:childTnLst>
+                        <p:par>
+                          <p:cTn id="4" fill="hold">
+                            <p:stCondLst>
+                              <p:cond delay="0"/>
+                            </p:stCondLst>
+                            <p:childTnLst>
+                              <p:par>
+                                <p:cTn id="5" presetID="9" presetClass="entr" presetSubtype="0" fill="hold" grpId="0" nodeType="clickEffect">
+                                  <p:stCondLst>
+                                    <p:cond delay="0"/>
+                                  </p:stCondLst>
+                                  <p:childTnLst>
+                                    <p:set>
+                                      <p:cBhvr>
+                                        <p:cTn id="6" dur="1" fill="hold">
+                                          <p:stCondLst>
+                                            <p:cond delay="0"/>
+                                          </p:stCondLst>
+                                        </p:cTn>
+                                        <p:tgtEl>
+                                          <p:spTgt spid="14"/>
+                                        </p:tgtEl>
+                                        <p:attrNameLst>
+                                          <p:attrName>style.visibility</p:attrName>
+                                        </p:attrNameLst>
+                                      </p:cBhvr>
+                                      <p:to>
+                                        <p:strVal val="visible"/>
+                                      </p:to>
+                                    </p:set>
+                                    <p:animEffect transition="in" filter="dissolve">
+                                      <p:cBhvr>
+                                        <p:cTn id="7" dur="500"/>
+                                        <p:tgtEl>
+                                          <p:spTgt spid="14"/>
+                                        </p:tgtEl>
+                                      </p:cBhvr>
+                                    </p:animEffect>
+                                  </p:childTnLst>
+                                </p:cTn>
+                              </p:par>
+                            </p:childTnLst>
+                          </p:cTn>
+                        </p:par>
+                      </p:childTnLst>
+                    </p:cTn>
+                  </p:par>
+                </p:childTnLst>
+              </p:cTn>
+              <p:prevCondLst>
+                <p:cond evt="onPrev" delay="0">
+                  <p:tgtEl>
+                    <p:sldTgt/>
+                  </p:tgtEl>
+                </p:cond>
+              </p:prevCondLst>
+              <p:nextCondLst>
+                <p:cond evt="onNext" delay="0">
+                  <p:tgtEl>
+                    <p:sldTgt/>
+                  </p:tgtEl>
+                </p:cond>
+              </p:nextCondLst>
+            </p:seq>
+          </p:childTnLst>
+        </p:cTn>
+      </p:par>
+    </p:tnLst>
+    <p:bldLst>
+      <p:bldP spid="14" grpId="0" animBg="1"/>
+    </p:bldLst>
+  </p:timing>
+</p:sld>
+</file>
+
+<file path=ppt/slides/slide7.xml><?xml version="1.0" encoding="utf-8"?>
+<p:sld xmlns:a="http://schemas.openxmlformats.org/drawingml/2006/main" xmlns:r="http://schemas.openxmlformats.org/officeDocument/2006/relationships" xmlns:p="http://schemas.openxmlformats.org/presentationml/2006/main">
+  <p:cSld>
+    <p:spTree>
+      <p:nvGrpSpPr>
+        <p:cNvPr id="1" name=""/>
+        <p:cNvGrpSpPr/>
+        <p:nvPr/>
+      </p:nvGrpSpPr>
+      <p:grpSpPr>
+        <a:xfrm>
+          <a:off x="0" y="0"/>
+          <a:ext cx="0" cy="0"/>
+          <a:chOff x="0" y="0"/>
+          <a:chExt cx="0" cy="0"/>
+        </a:xfrm>
+      </p:grpSpPr>
+      <p:sp>
+        <p:nvSpPr>
+          <p:cNvPr id="2" name="Title 1">
+            <a:extLst>
+              <a:ext uri="{FF2B5EF4-FFF2-40B4-BE49-F238E27FC236}">
+                <a16:creationId xmlns:a16="http://schemas.microsoft.com/office/drawing/2014/main" id="{3CF7CCCE-CA30-024F-9CDD-469D4D42ECAC}"/>
+              </a:ext>
+            </a:extLst>
+          </p:cNvPr>
+          <p:cNvSpPr>
+            <a:spLocks noGrp="1"/>
+          </p:cNvSpPr>
+          <p:nvPr>
+            <p:ph type="title"/>
+          </p:nvPr>
+        </p:nvSpPr>
+        <p:spPr/>
+        <p:txBody>
+          <a:bodyPr/>
+          <a:lstStyle/>
+          <a:p>
+            <a:r>
+              <a:rPr lang="en-US" dirty="0"/>
+              <a:t>Thanks to,</a:t>
+            </a:r>
+          </a:p>
+        </p:txBody>
+      </p:sp>
+      <p:pic>
+        <p:nvPicPr>
+          <p:cNvPr id="5" name="Content Placeholder 4">
+            <a:extLst>
+              <a:ext uri="{FF2B5EF4-FFF2-40B4-BE49-F238E27FC236}">
+                <a16:creationId xmlns:a16="http://schemas.microsoft.com/office/drawing/2014/main" id="{2C012482-F74E-3047-85B3-44AB4EB50FF2}"/>
+              </a:ext>
+            </a:extLst>
+          </p:cNvPr>
+          <p:cNvPicPr>
+            <a:picLocks noGrp="1" noChangeAspect="1"/>
+          </p:cNvPicPr>
+          <p:nvPr>
+            <p:ph idx="1"/>
+          </p:nvPr>
+        </p:nvPicPr>
+        <p:blipFill>
+          <a:blip r:embed="rId2">
+            <a:duotone>
+              <a:schemeClr val="bg2">
+                <a:shade val="45000"/>
+                <a:satMod val="135000"/>
+              </a:schemeClr>
+              <a:prstClr val="white"/>
+            </a:duotone>
+            <a:alphaModFix amt="50000"/>
+            <a:extLst>
+              <a:ext uri="{28A0092B-C50C-407E-A947-70E740481C1C}">
+                <a14:useLocalDpi xmlns:a14="http://schemas.microsoft.com/office/drawing/2010/main" val="0"/>
+              </a:ext>
+            </a:extLst>
+          </a:blip>
+          <a:stretch>
+            <a:fillRect/>
+          </a:stretch>
+        </p:blipFill>
+        <p:spPr>
+          <a:xfrm>
+            <a:off x="-1" y="0"/>
+            <a:ext cx="12192001" cy="6858000"/>
+          </a:xfrm>
+          <a:prstGeom prst="rect">
+            <a:avLst/>
+          </a:prstGeom>
+          <a:ln>
+            <a:noFill/>
+          </a:ln>
+          <a:effectLst>
+            <a:softEdge rad="112500"/>
+          </a:effectLst>
+        </p:spPr>
+      </p:pic>
+      <p:cxnSp>
+        <p:nvCxnSpPr>
+          <p:cNvPr id="9" name="Straight Connector 8">
+            <a:extLst>
+              <a:ext uri="{FF2B5EF4-FFF2-40B4-BE49-F238E27FC236}">
+                <a16:creationId xmlns:a16="http://schemas.microsoft.com/office/drawing/2014/main" id="{04B6FB79-5795-BA45-B9FB-E548DE6E2F07}"/>
+              </a:ext>
+            </a:extLst>
+          </p:cNvPr>
+          <p:cNvCxnSpPr/>
+          <p:nvPr/>
+        </p:nvCxnSpPr>
+        <p:spPr>
+          <a:xfrm>
+            <a:off x="274320" y="1703070"/>
+            <a:ext cx="11578590" cy="0"/>
+          </a:xfrm>
+          <a:prstGeom prst="line">
+            <a:avLst/>
+          </a:prstGeom>
+        </p:spPr>
+        <p:style>
+          <a:lnRef idx="1">
+            <a:schemeClr val="accent1"/>
+          </a:lnRef>
+          <a:fillRef idx="0">
+            <a:schemeClr val="accent1"/>
+          </a:fillRef>
+          <a:effectRef idx="0">
+            <a:schemeClr val="accent1"/>
+          </a:effectRef>
+          <a:fontRef idx="minor">
+            <a:schemeClr val="tx1"/>
+          </a:fontRef>
+        </p:style>
+      </p:cxnSp>
+      <p:sp>
+        <p:nvSpPr>
+          <p:cNvPr id="14" name="Title 1">
+            <a:extLst>
+              <a:ext uri="{FF2B5EF4-FFF2-40B4-BE49-F238E27FC236}">
+                <a16:creationId xmlns:a16="http://schemas.microsoft.com/office/drawing/2014/main" id="{B4A68CD3-3EBA-B542-8DCF-DBD357F11D7D}"/>
+              </a:ext>
+            </a:extLst>
+          </p:cNvPr>
+          <p:cNvSpPr txBox="1">
+            <a:spLocks/>
+          </p:cNvSpPr>
+          <p:nvPr/>
+        </p:nvSpPr>
+        <p:spPr>
+          <a:xfrm>
+            <a:off x="1130808" y="3383280"/>
+            <a:ext cx="10222992" cy="1920240"/>
+          </a:xfrm>
+          <a:prstGeom prst="rect">
+            <a:avLst/>
+          </a:prstGeom>
+          <a:ln>
+            <a:noFill/>
+            <a:prstDash val="dash"/>
+          </a:ln>
+        </p:spPr>
+        <p:txBody>
+          <a:bodyPr vert="horz" lIns="91440" tIns="45720" rIns="91440" bIns="45720" rtlCol="0" anchor="ctr">
+            <a:noAutofit/>
+          </a:bodyPr>
+          <a:lstStyle>
+            <a:lvl1pPr algn="l" defTabSz="914400" rtl="0" eaLnBrk="1" latinLnBrk="0" hangingPunct="1">
+              <a:lnSpc>
+                <a:spcPct val="90000"/>
+              </a:lnSpc>
+              <a:spcBef>
+                <a:spcPct val="0"/>
+              </a:spcBef>
+              <a:buNone/>
+              <a:defRPr sz="5400" kern="1200" cap="all" baseline="0">
+                <a:blipFill>
+                  <a:blip r:embed="rId3">
+                    <a:extLst>
+                      <a:ext uri="{28A0092B-C50C-407E-A947-70E740481C1C}">
+                        <a14:useLocalDpi xmlns:a14="http://schemas.microsoft.com/office/drawing/2010/main" val="0"/>
+                      </a:ext>
+                    </a:extLst>
+                  </a:blip>
+                  <a:tile tx="6350" ty="-127000" sx="65000" sy="64000" flip="none" algn="tl"/>
+                </a:blipFill>
+                <a:latin typeface="+mj-lt"/>
+                <a:ea typeface="+mj-ea"/>
+                <a:cs typeface="+mj-cs"/>
+              </a:defRPr>
+            </a:lvl1pPr>
+          </a:lstStyle>
+          <a:p>
+            <a:pPr algn="just">
+              <a:lnSpc>
+                <a:spcPct val="150000"/>
+              </a:lnSpc>
+            </a:pPr>
+            <a:r>
+              <a:rPr lang="en-US" sz="2000" dirty="0">
+                <a:solidFill>
+                  <a:schemeClr val="accent1"/>
+                </a:solidFill>
+              </a:rPr>
+              <a:t>Github </a:t>
+            </a:r>
+          </a:p>
+          <a:p>
+            <a:pPr algn="just">
+              <a:lnSpc>
+                <a:spcPct val="150000"/>
+              </a:lnSpc>
+            </a:pPr>
+            <a:r>
+              <a:rPr lang="en-US" sz="2000" dirty="0"/>
+              <a:t>Work-flow, partner co-ordination &amp; project compilation</a:t>
+            </a:r>
+          </a:p>
+          <a:p>
+            <a:pPr algn="just">
+              <a:lnSpc>
+                <a:spcPct val="150000"/>
+              </a:lnSpc>
+            </a:pPr>
+            <a:r>
+              <a:rPr lang="en-US" sz="2000" dirty="0">
+                <a:solidFill>
+                  <a:schemeClr val="accent1"/>
+                </a:solidFill>
+              </a:rPr>
+              <a:t>Jupyter notebook, spyder &amp; vs code</a:t>
+            </a:r>
+            <a:endParaRPr lang="en-US" sz="2000" dirty="0"/>
+          </a:p>
+          <a:p>
+            <a:pPr>
+              <a:lnSpc>
+                <a:spcPct val="150000"/>
+              </a:lnSpc>
+            </a:pPr>
+            <a:r>
+              <a:rPr lang="en-US" sz="2000" dirty="0"/>
+              <a:t>Data munging, initial machine learning model &amp; coding</a:t>
+            </a:r>
+          </a:p>
+          <a:p>
+            <a:pPr algn="just">
+              <a:lnSpc>
+                <a:spcPct val="150000"/>
+              </a:lnSpc>
+            </a:pPr>
+            <a:r>
+              <a:rPr lang="en-US" sz="2000" dirty="0">
+                <a:solidFill>
+                  <a:schemeClr val="accent1"/>
+                </a:solidFill>
+              </a:rPr>
+              <a:t>Flask, html, css, javascript, bootstrap</a:t>
+            </a:r>
+          </a:p>
+          <a:p>
+            <a:pPr>
+              <a:lnSpc>
+                <a:spcPct val="150000"/>
+              </a:lnSpc>
+            </a:pPr>
+            <a:r>
+              <a:rPr lang="en-US" sz="2000" dirty="0"/>
+              <a:t>Build the interactive prediction App webpage</a:t>
+            </a:r>
+          </a:p>
+          <a:p>
+            <a:pPr>
+              <a:lnSpc>
+                <a:spcPct val="150000"/>
+              </a:lnSpc>
+            </a:pPr>
+            <a:r>
+              <a:rPr lang="en-US" sz="2000" dirty="0">
+                <a:solidFill>
+                  <a:schemeClr val="accent1"/>
+                </a:solidFill>
+              </a:rPr>
+              <a:t>Tableau</a:t>
+            </a:r>
+          </a:p>
+          <a:p>
+            <a:pPr>
+              <a:lnSpc>
+                <a:spcPct val="150000"/>
+              </a:lnSpc>
+            </a:pPr>
+            <a:r>
+              <a:rPr lang="en-US" sz="2000" dirty="0"/>
+              <a:t>Visualize past data and its trends &amp; plot for user interaction on the webpage</a:t>
+            </a:r>
+          </a:p>
+          <a:p>
+            <a:pPr>
+              <a:lnSpc>
+                <a:spcPct val="150000"/>
+              </a:lnSpc>
+            </a:pPr>
+            <a:r>
+              <a:rPr lang="en-US" sz="2000" dirty="0">
+                <a:solidFill>
+                  <a:schemeClr val="accent1"/>
+                </a:solidFill>
+              </a:rPr>
+              <a:t>Plotly &amp; D3</a:t>
+            </a:r>
+          </a:p>
+          <a:p>
+            <a:pPr>
+              <a:lnSpc>
+                <a:spcPct val="150000"/>
+              </a:lnSpc>
+            </a:pPr>
+            <a:r>
+              <a:rPr lang="en-US" sz="2000" dirty="0"/>
+              <a:t>Interactively Plot visualization for future predictions as per user selection on the webpage</a:t>
+            </a:r>
+          </a:p>
+          <a:p>
+            <a:pPr>
+              <a:lnSpc>
+                <a:spcPct val="150000"/>
+              </a:lnSpc>
+            </a:pPr>
+            <a:endParaRPr lang="en-US" sz="2000" dirty="0">
+              <a:solidFill>
+                <a:schemeClr val="accent1"/>
+              </a:solidFill>
+            </a:endParaRPr>
+          </a:p>
+        </p:txBody>
+      </p:sp>
+    </p:spTree>
+    <p:extLst>
+      <p:ext uri="{BB962C8B-B14F-4D97-AF65-F5344CB8AC3E}">
+        <p14:creationId xmlns:p14="http://schemas.microsoft.com/office/powerpoint/2010/main" val="3894226051"/>
+      </p:ext>
+    </p:extLst>
+  </p:cSld>
+  <p:clrMapOvr>
+    <a:masterClrMapping/>
+  </p:clrMapOvr>
+  <p:timing>
+    <p:tnLst>
+      <p:par>
+        <p:cTn id="1" dur="indefinite" restart="never" nodeType="tmRoot">
+          <p:childTnLst>
+            <p:seq concurrent="1" nextAc="seek">
+              <p:cTn id="2" dur="indefinite" nodeType="mainSeq">
+                <p:childTnLst>
+                  <p:par>
+                    <p:cTn id="3" fill="hold">
+                      <p:stCondLst>
+                        <p:cond delay="indefinite"/>
+                      </p:stCondLst>
+                      <p:childTnLst>
+                        <p:par>
+                          <p:cTn id="4" fill="hold">
+                            <p:stCondLst>
+                              <p:cond delay="0"/>
+                            </p:stCondLst>
+                            <p:childTnLst>
+                              <p:par>
+                                <p:cTn id="5" presetID="37" presetClass="entr" presetSubtype="0" fill="hold" grpId="0" nodeType="clickEffect">
+                                  <p:stCondLst>
+                                    <p:cond delay="0"/>
+                                  </p:stCondLst>
+                                  <p:childTnLst>
+                                    <p:set>
+                                      <p:cBhvr>
+                                        <p:cTn id="6" dur="1" fill="hold">
+                                          <p:stCondLst>
+                                            <p:cond delay="0"/>
+                                          </p:stCondLst>
+                                        </p:cTn>
+                                        <p:tgtEl>
+                                          <p:spTgt spid="14"/>
+                                        </p:tgtEl>
+                                        <p:attrNameLst>
+                                          <p:attrName>style.visibility</p:attrName>
+                                        </p:attrNameLst>
+                                      </p:cBhvr>
+                                      <p:to>
+                                        <p:strVal val="visible"/>
+                                      </p:to>
+                                    </p:set>
+                                    <p:animEffect transition="in" filter="fade">
+                                      <p:cBhvr>
+                                        <p:cTn id="7" dur="1000"/>
+                                        <p:tgtEl>
+                                          <p:spTgt spid="14"/>
+                                        </p:tgtEl>
+                                      </p:cBhvr>
+                                    </p:animEffect>
+                                    <p:anim calcmode="lin" valueType="num">
+                                      <p:cBhvr>
+                                        <p:cTn id="8" dur="1000" fill="hold"/>
+                                        <p:tgtEl>
+                                          <p:spTgt spid="14"/>
+                                        </p:tgtEl>
+                                        <p:attrNameLst>
+                                          <p:attrName>ppt_x</p:attrName>
+                                        </p:attrNameLst>
+                                      </p:cBhvr>
+                                      <p:tavLst>
+                                        <p:tav tm="0">
+                                          <p:val>
+                                            <p:strVal val="#ppt_x"/>
+                                          </p:val>
+                                        </p:tav>
+                                        <p:tav tm="100000">
+                                          <p:val>
+                                            <p:strVal val="#ppt_x"/>
+                                          </p:val>
+                                        </p:tav>
+                                      </p:tavLst>
+                                    </p:anim>
+                                    <p:anim calcmode="lin" valueType="num">
+                                      <p:cBhvr>
+                                        <p:cTn id="9" dur="900" decel="100000" fill="hold"/>
+                                        <p:tgtEl>
+                                          <p:spTgt spid="14"/>
+                                        </p:tgtEl>
+                                        <p:attrNameLst>
+                                          <p:attrName>ppt_y</p:attrName>
+                                        </p:attrNameLst>
+                                      </p:cBhvr>
+                                      <p:tavLst>
+                                        <p:tav tm="0">
+                                          <p:val>
+                                            <p:strVal val="#ppt_y+1"/>
+                                          </p:val>
+                                        </p:tav>
+                                        <p:tav tm="100000">
+                                          <p:val>
+                                            <p:strVal val="#ppt_y-.03"/>
+                                          </p:val>
+                                        </p:tav>
+                                      </p:tavLst>
+                                    </p:anim>
+                                    <p:anim calcmode="lin" valueType="num">
+                                      <p:cBhvr>
+                                        <p:cTn id="10" dur="100" accel="100000" fill="hold">
+                                          <p:stCondLst>
+                                            <p:cond delay="900"/>
+                                          </p:stCondLst>
+                                        </p:cTn>
+                                        <p:tgtEl>
+                                          <p:spTgt spid="14"/>
+                                        </p:tgtEl>
+                                        <p:attrNameLst>
+                                          <p:attrName>ppt_y</p:attrName>
+                                        </p:attrNameLst>
+                                      </p:cBhvr>
+                                      <p:tavLst>
+                                        <p:tav tm="0">
+                                          <p:val>
+                                            <p:strVal val="#ppt_y-.03"/>
+                                          </p:val>
+                                        </p:tav>
+                                        <p:tav tm="100000">
+                                          <p:val>
+                                            <p:strVal val="#ppt_y"/>
+                                          </p:val>
+                                        </p:tav>
+                                      </p:tavLst>
+                                    </p:anim>
+                                  </p:childTnLst>
+                                </p:cTn>
+                              </p:par>
+                            </p:childTnLst>
+                          </p:cTn>
+                        </p:par>
+                      </p:childTnLst>
+                    </p:cTn>
+                  </p:par>
+                </p:childTnLst>
+              </p:cTn>
+              <p:prevCondLst>
+                <p:cond evt="onPrev" delay="0">
+                  <p:tgtEl>
+                    <p:sldTgt/>
+                  </p:tgtEl>
+                </p:cond>
+              </p:prevCondLst>
+              <p:nextCondLst>
+                <p:cond evt="onNext" delay="0">
+                  <p:tgtEl>
+                    <p:sldTgt/>
+                  </p:tgtEl>
+                </p:cond>
+              </p:nextCondLst>
+            </p:seq>
+          </p:childTnLst>
+        </p:cTn>
+      </p:par>
+    </p:tnLst>
+    <p:bldLst>
+      <p:bldP spid="14" grpId="0"/>
+    </p:bldLst>
+  </p:timing>
 </p:sld>
 </file>
 

--- a/BC_Project3_presentation.pptx
+++ b/BC_Project3_presentation.pptx
@@ -8258,7 +8258,7 @@
           <a:p>
             <a:r>
               <a:rPr lang="en-US" dirty="0"/>
-              <a:t>Thanks to,</a:t>
+              <a:t>Thanks to</a:t>
             </a:r>
           </a:p>
         </p:txBody>

--- a/BC_Project3_presentation.pptx
+++ b/BC_Project3_presentation.pptx
@@ -9,9 +9,10 @@
     <p:sldId id="257" r:id="rId3"/>
     <p:sldId id="258" r:id="rId4"/>
     <p:sldId id="259" r:id="rId5"/>
-    <p:sldId id="261" r:id="rId6"/>
+    <p:sldId id="263" r:id="rId6"/>
     <p:sldId id="260" r:id="rId7"/>
-    <p:sldId id="262" r:id="rId8"/>
+    <p:sldId id="261" r:id="rId8"/>
+    <p:sldId id="262" r:id="rId9"/>
   </p:sldIdLst>
   <p:sldSz cx="12192000" cy="6858000"/>
   <p:notesSz cx="6858000" cy="9144000"/>
@@ -698,6 +699,9 @@
   <p:clrMapOvr>
     <a:masterClrMapping/>
   </p:clrMapOvr>
+  <p:transition spd="slow">
+    <p:wipe/>
+  </p:transition>
 </p:sldLayout>
 </file>
 
@@ -866,6 +870,9 @@
   <p:clrMapOvr>
     <a:masterClrMapping/>
   </p:clrMapOvr>
+  <p:transition spd="slow">
+    <p:wipe/>
+  </p:transition>
 </p:sldLayout>
 </file>
 
@@ -1046,6 +1053,9 @@
   <p:clrMapOvr>
     <a:masterClrMapping/>
   </p:clrMapOvr>
+  <p:transition spd="slow">
+    <p:wipe/>
+  </p:transition>
 </p:sldLayout>
 </file>
 
@@ -1216,6 +1226,9 @@
   <p:clrMapOvr>
     <a:masterClrMapping/>
   </p:clrMapOvr>
+  <p:transition spd="slow">
+    <p:wipe/>
+  </p:transition>
 </p:sldLayout>
 </file>
 
@@ -1710,6 +1723,9 @@
   <p:clrMapOvr>
     <a:masterClrMapping/>
   </p:clrMapOvr>
+  <p:transition spd="slow">
+    <p:wipe/>
+  </p:transition>
 </p:sldLayout>
 </file>
 
@@ -1998,6 +2014,9 @@
   <p:clrMapOvr>
     <a:masterClrMapping/>
   </p:clrMapOvr>
+  <p:transition spd="slow">
+    <p:wipe/>
+  </p:transition>
 </p:sldLayout>
 </file>
 
@@ -2432,6 +2451,9 @@
   <p:clrMapOvr>
     <a:masterClrMapping/>
   </p:clrMapOvr>
+  <p:transition spd="slow">
+    <p:wipe/>
+  </p:transition>
 </p:sldLayout>
 </file>
 
@@ -2549,6 +2571,9 @@
   <p:clrMapOvr>
     <a:masterClrMapping/>
   </p:clrMapOvr>
+  <p:transition spd="slow">
+    <p:wipe/>
+  </p:transition>
 </p:sldLayout>
 </file>
 
@@ -2644,6 +2669,9 @@
   <p:clrMapOvr>
     <a:masterClrMapping/>
   </p:clrMapOvr>
+  <p:transition spd="slow">
+    <p:wipe/>
+  </p:transition>
 </p:sldLayout>
 </file>
 
@@ -3165,6 +3193,9 @@
   <p:clrMapOvr>
     <a:masterClrMapping/>
   </p:clrMapOvr>
+  <p:transition spd="slow">
+    <p:wipe/>
+  </p:transition>
 </p:sldLayout>
 </file>
 
@@ -3653,6 +3684,9 @@
   <p:clrMapOvr>
     <a:masterClrMapping/>
   </p:clrMapOvr>
+  <p:transition spd="slow">
+    <p:wipe/>
+  </p:transition>
 </p:sldLayout>
 </file>
 
@@ -4072,6 +4106,9 @@
     <p:sldLayoutId id="2147483850" r:id="rId10"/>
     <p:sldLayoutId id="2147483851" r:id="rId11"/>
   </p:sldLayoutIdLst>
+  <p:transition spd="slow">
+    <p:wipe/>
+  </p:transition>
   <p:hf sldNum="0" hdr="0" ftr="0" dt="0"/>
   <p:txStyles>
     <p:titleStyle>
@@ -4560,6 +4597,9 @@
   <p:clrMapOvr>
     <a:masterClrMapping/>
   </p:clrMapOvr>
+  <p:transition spd="slow">
+    <p:wipe/>
+  </p:transition>
   <p:timing>
     <p:tnLst>
       <p:par>
@@ -4836,7 +4876,7 @@
         </p:blipFill>
         <p:spPr>
           <a:xfrm>
-            <a:off x="-1" y="0"/>
+            <a:off x="-1" y="11875"/>
             <a:ext cx="12192001" cy="6858000"/>
           </a:xfrm>
           <a:prstGeom prst="rect">
@@ -4914,8 +4954,8 @@
         </p:blipFill>
         <p:spPr>
           <a:xfrm>
-            <a:off x="755015" y="3063240"/>
-            <a:ext cx="5021042" cy="3448518"/>
+            <a:off x="323618" y="2766951"/>
+            <a:ext cx="5452439" cy="3744807"/>
           </a:xfrm>
           <a:prstGeom prst="rect">
             <a:avLst/>
@@ -5195,6 +5235,9 @@
   <p:clrMapOvr>
     <a:masterClrMapping/>
   </p:clrMapOvr>
+  <p:transition spd="slow">
+    <p:wipe/>
+  </p:transition>
   <p:timing>
     <p:tnLst>
       <p:par>
@@ -5822,7 +5865,7 @@
         </p:nvSpPr>
         <p:spPr>
           <a:xfrm>
-            <a:off x="1062228" y="1517142"/>
+            <a:off x="1062228" y="2039655"/>
             <a:ext cx="10058400" cy="4540758"/>
           </a:xfrm>
           <a:prstGeom prst="rect">
@@ -5992,6 +6035,48 @@
           </a:fontRef>
         </p:style>
       </p:cxnSp>
+      <p:pic>
+        <p:nvPicPr>
+          <p:cNvPr id="4" name="Picture 3">
+            <a:extLst>
+              <a:ext uri="{FF2B5EF4-FFF2-40B4-BE49-F238E27FC236}">
+                <a16:creationId xmlns:a16="http://schemas.microsoft.com/office/drawing/2014/main" id="{6C010A05-8A96-034F-9634-AF1C62B5FBC9}"/>
+              </a:ext>
+            </a:extLst>
+          </p:cNvPr>
+          <p:cNvPicPr>
+            <a:picLocks noChangeAspect="1"/>
+          </p:cNvPicPr>
+          <p:nvPr/>
+        </p:nvPicPr>
+        <p:blipFill>
+          <a:blip r:embed="rId4">
+            <a:extLst>
+              <a:ext uri="{28A0092B-C50C-407E-A947-70E740481C1C}">
+                <a14:useLocalDpi xmlns:a14="http://schemas.microsoft.com/office/drawing/2010/main" val="0"/>
+              </a:ext>
+            </a:extLst>
+          </a:blip>
+          <a:stretch>
+            <a:fillRect/>
+          </a:stretch>
+        </p:blipFill>
+        <p:spPr>
+          <a:xfrm>
+            <a:off x="5628314" y="1703070"/>
+            <a:ext cx="4262761" cy="4870205"/>
+          </a:xfrm>
+          <a:prstGeom prst="rect">
+            <a:avLst/>
+          </a:prstGeom>
+          <a:ln>
+            <a:noFill/>
+          </a:ln>
+          <a:effectLst>
+            <a:softEdge rad="112500"/>
+          </a:effectLst>
+        </p:spPr>
+      </p:pic>
     </p:spTree>
     <p:extLst>
       <p:ext uri="{BB962C8B-B14F-4D97-AF65-F5344CB8AC3E}">
@@ -6002,6 +6087,9 @@
   <p:clrMapOvr>
     <a:masterClrMapping/>
   </p:clrMapOvr>
+  <p:transition spd="slow">
+    <p:wipe/>
+  </p:transition>
 </p:sld>
 </file>
 
@@ -6289,6 +6377,9 @@
   <p:clrMapOvr>
     <a:masterClrMapping/>
   </p:clrMapOvr>
+  <p:transition spd="slow">
+    <p:wipe/>
+  </p:transition>
 </p:sld>
 </file>
 
@@ -6427,10 +6518,10 @@
       </p:cxnSp>
       <p:sp>
         <p:nvSpPr>
-          <p:cNvPr id="8" name="Title 1">
+          <p:cNvPr id="7" name="Title 1">
             <a:extLst>
               <a:ext uri="{FF2B5EF4-FFF2-40B4-BE49-F238E27FC236}">
-                <a16:creationId xmlns:a16="http://schemas.microsoft.com/office/drawing/2014/main" id="{B7729041-EE3D-564E-AAEF-15DCA5CBF725}"/>
+                <a16:creationId xmlns:a16="http://schemas.microsoft.com/office/drawing/2014/main" id="{25D613CC-4DD0-784A-922C-6C7B02AA91D5}"/>
               </a:ext>
             </a:extLst>
           </p:cNvPr>
@@ -6441,8 +6532,8 @@
         </p:nvSpPr>
         <p:spPr>
           <a:xfrm>
-            <a:off x="1073658" y="1802132"/>
-            <a:ext cx="10322052" cy="636268"/>
+            <a:off x="1073658" y="3248238"/>
+            <a:ext cx="10322052" cy="2644558"/>
           </a:xfrm>
           <a:prstGeom prst="rect">
             <a:avLst/>
@@ -6485,8 +6576,12 @@
               </a:lnSpc>
             </a:pPr>
             <a:r>
-              <a:rPr lang="en-US" sz="3600" dirty="0"/>
-              <a:t>Hypothesis : </a:t>
+              <a:rPr lang="en-US" sz="2900" dirty="0">
+                <a:solidFill>
+                  <a:schemeClr val="accent1"/>
+                </a:solidFill>
+              </a:rPr>
+              <a:t>Steps :</a:t>
             </a:r>
           </a:p>
           <a:p>
@@ -6497,72 +6592,9 @@
               <a:buFont typeface="Arial" panose="020B0604020202020204" pitchFamily="34" charset="0"/>
               <a:buChar char="•"/>
             </a:pPr>
-            <a:endParaRPr lang="en-US" sz="3600" dirty="0"/>
-          </a:p>
-        </p:txBody>
-      </p:sp>
-      <p:sp>
-        <p:nvSpPr>
-          <p:cNvPr id="7" name="Title 1">
-            <a:extLst>
-              <a:ext uri="{FF2B5EF4-FFF2-40B4-BE49-F238E27FC236}">
-                <a16:creationId xmlns:a16="http://schemas.microsoft.com/office/drawing/2014/main" id="{25D613CC-4DD0-784A-922C-6C7B02AA91D5}"/>
-              </a:ext>
-            </a:extLst>
-          </p:cNvPr>
-          <p:cNvSpPr txBox="1">
-            <a:spLocks/>
-          </p:cNvSpPr>
-          <p:nvPr/>
-        </p:nvSpPr>
-        <p:spPr>
-          <a:xfrm>
-            <a:off x="1073658" y="2578608"/>
-            <a:ext cx="10322052" cy="2907792"/>
-          </a:xfrm>
-          <a:prstGeom prst="rect">
-            <a:avLst/>
-          </a:prstGeom>
-        </p:spPr>
-        <p:txBody>
-          <a:bodyPr vert="horz" lIns="91440" tIns="45720" rIns="91440" bIns="45720" rtlCol="0" anchor="ctr">
-            <a:normAutofit fontScale="55000" lnSpcReduction="20000"/>
-          </a:bodyPr>
-          <a:lstStyle>
-            <a:lvl1pPr algn="l" defTabSz="914400" rtl="0" eaLnBrk="1" latinLnBrk="0" hangingPunct="1">
-              <a:lnSpc>
-                <a:spcPct val="90000"/>
-              </a:lnSpc>
-              <a:spcBef>
-                <a:spcPct val="0"/>
-              </a:spcBef>
-              <a:buNone/>
-              <a:defRPr sz="5400" kern="1200" cap="all" baseline="0">
-                <a:blipFill>
-                  <a:blip r:embed="rId3">
-                    <a:extLst>
-                      <a:ext uri="{28A0092B-C50C-407E-A947-70E740481C1C}">
-                        <a14:useLocalDpi xmlns:a14="http://schemas.microsoft.com/office/drawing/2010/main" val="0"/>
-                      </a:ext>
-                    </a:extLst>
-                  </a:blip>
-                  <a:tile tx="6350" ty="-127000" sx="65000" sy="64000" flip="none" algn="tl"/>
-                </a:blipFill>
-                <a:latin typeface="+mj-lt"/>
-                <a:ea typeface="+mj-ea"/>
-                <a:cs typeface="+mj-cs"/>
-              </a:defRPr>
-            </a:lvl1pPr>
-          </a:lstStyle>
-          <a:p>
-            <a:pPr>
-              <a:lnSpc>
-                <a:spcPct val="170000"/>
-              </a:lnSpc>
-            </a:pPr>
-            <a:r>
-              <a:rPr lang="en-US" sz="2900" dirty="0"/>
-              <a:t>Steps :</a:t>
+            <a:r>
+              <a:rPr lang="en-US" sz="2400" dirty="0"/>
+              <a:t>Identify dependent and potential predictor variables</a:t>
             </a:r>
           </a:p>
           <a:p>
@@ -6574,8 +6606,8 @@
               <a:buChar char="•"/>
             </a:pPr>
             <a:r>
-              <a:rPr lang="en-US" sz="2900" dirty="0"/>
-              <a:t>Identify dependent and potential predictor variables</a:t>
+              <a:rPr lang="en-US" sz="2400" dirty="0"/>
+              <a:t>Check initial correlation between dependent and potential predictor variables</a:t>
             </a:r>
           </a:p>
           <a:p>
@@ -6587,8 +6619,8 @@
               <a:buChar char="•"/>
             </a:pPr>
             <a:r>
-              <a:rPr lang="en-US" sz="2900" dirty="0"/>
-              <a:t>Check initial correlation between dependent and potential predictor variables</a:t>
+              <a:rPr lang="en-US" sz="2400" dirty="0"/>
+              <a:t>Short-list 3 most correlated predictor variables </a:t>
             </a:r>
           </a:p>
           <a:p>
@@ -6600,8 +6632,8 @@
               <a:buChar char="•"/>
             </a:pPr>
             <a:r>
-              <a:rPr lang="en-US" sz="2900" dirty="0"/>
-              <a:t>Short-list 3 most correlated predictor variables </a:t>
+              <a:rPr lang="en-US" sz="2400" dirty="0"/>
+              <a:t>run uni-variate linear regression model for each predictor variable</a:t>
             </a:r>
           </a:p>
           <a:p>
@@ -6613,8 +6645,8 @@
               <a:buChar char="•"/>
             </a:pPr>
             <a:r>
-              <a:rPr lang="en-US" sz="2900" dirty="0"/>
-              <a:t>run uni-variate linear regression model for each predictor variable</a:t>
+              <a:rPr lang="en-US" sz="2400" dirty="0"/>
+              <a:t>Run multi-variate linear regression model for all 3 predictor variable</a:t>
             </a:r>
           </a:p>
           <a:p>
@@ -6626,20 +6658,7 @@
               <a:buChar char="•"/>
             </a:pPr>
             <a:r>
-              <a:rPr lang="en-US" sz="2900" dirty="0"/>
-              <a:t>Run multi-variate linear regression model for all 3 predictor variable</a:t>
-            </a:r>
-          </a:p>
-          <a:p>
-            <a:pPr marL="571500" indent="-571500">
-              <a:lnSpc>
-                <a:spcPct val="170000"/>
-              </a:lnSpc>
-              <a:buFont typeface="Arial" panose="020B0604020202020204" pitchFamily="34" charset="0"/>
-              <a:buChar char="•"/>
-            </a:pPr>
-            <a:r>
-              <a:rPr lang="en-US" sz="2900" dirty="0"/>
+              <a:rPr lang="en-US" sz="2400" dirty="0"/>
               <a:t>Use the coefficients and y-intercept to predict future outcomes</a:t>
             </a:r>
           </a:p>
@@ -6681,7 +6700,7 @@
         </p:nvSpPr>
         <p:spPr>
           <a:xfrm>
-            <a:off x="1073658" y="5105400"/>
+            <a:off x="1073658" y="5407780"/>
             <a:ext cx="10779252" cy="1744981"/>
           </a:xfrm>
           <a:prstGeom prst="rect">
@@ -6725,7 +6744,11 @@
               </a:lnSpc>
             </a:pPr>
             <a:r>
-              <a:rPr lang="en-US" sz="2900" dirty="0"/>
+              <a:rPr lang="en-US" sz="2900" dirty="0">
+                <a:solidFill>
+                  <a:schemeClr val="accent1"/>
+                </a:solidFill>
+              </a:rPr>
               <a:t>Result &amp; Conclusion :</a:t>
             </a:r>
           </a:p>
@@ -6778,16 +6801,125 @@
           </a:p>
         </p:txBody>
       </p:sp>
+      <p:sp>
+        <p:nvSpPr>
+          <p:cNvPr id="11" name="Title 1">
+            <a:extLst>
+              <a:ext uri="{FF2B5EF4-FFF2-40B4-BE49-F238E27FC236}">
+                <a16:creationId xmlns:a16="http://schemas.microsoft.com/office/drawing/2014/main" id="{1C125DA8-B93F-2D4A-9271-19264C00DCD7}"/>
+              </a:ext>
+            </a:extLst>
+          </p:cNvPr>
+          <p:cNvSpPr txBox="1">
+            <a:spLocks/>
+          </p:cNvSpPr>
+          <p:nvPr/>
+        </p:nvSpPr>
+        <p:spPr>
+          <a:xfrm>
+            <a:off x="1073658" y="1608664"/>
+            <a:ext cx="10850118" cy="1448309"/>
+          </a:xfrm>
+          <a:prstGeom prst="rect">
+            <a:avLst/>
+          </a:prstGeom>
+        </p:spPr>
+        <p:txBody>
+          <a:bodyPr vert="horz" lIns="91440" tIns="45720" rIns="91440" bIns="45720" rtlCol="0" anchor="ctr">
+            <a:normAutofit fontScale="32500" lnSpcReduction="20000"/>
+          </a:bodyPr>
+          <a:lstStyle>
+            <a:lvl1pPr algn="l" defTabSz="914400" rtl="0" eaLnBrk="1" latinLnBrk="0" hangingPunct="1">
+              <a:lnSpc>
+                <a:spcPct val="90000"/>
+              </a:lnSpc>
+              <a:spcBef>
+                <a:spcPct val="0"/>
+              </a:spcBef>
+              <a:buNone/>
+              <a:defRPr sz="5400" kern="1200" cap="all" baseline="0">
+                <a:blipFill>
+                  <a:blip r:embed="rId3">
+                    <a:extLst>
+                      <a:ext uri="{28A0092B-C50C-407E-A947-70E740481C1C}">
+                        <a14:useLocalDpi xmlns:a14="http://schemas.microsoft.com/office/drawing/2010/main" val="0"/>
+                      </a:ext>
+                    </a:extLst>
+                  </a:blip>
+                  <a:tile tx="6350" ty="-127000" sx="65000" sy="64000" flip="none" algn="tl"/>
+                </a:blipFill>
+                <a:latin typeface="+mj-lt"/>
+                <a:ea typeface="+mj-ea"/>
+                <a:cs typeface="+mj-cs"/>
+              </a:defRPr>
+            </a:lvl1pPr>
+          </a:lstStyle>
+          <a:p>
+            <a:pPr>
+              <a:lnSpc>
+                <a:spcPct val="170000"/>
+              </a:lnSpc>
+            </a:pPr>
+            <a:r>
+              <a:rPr lang="en-US" sz="6200" dirty="0">
+                <a:solidFill>
+                  <a:schemeClr val="accent1"/>
+                </a:solidFill>
+              </a:rPr>
+              <a:t>Hypothesis :  </a:t>
+            </a:r>
+            <a:r>
+              <a:rPr lang="en-US" sz="4900" dirty="0"/>
+              <a:t>The reason for astronomical rise in the housing prices in the bay area in the past few years, </a:t>
+            </a:r>
+          </a:p>
+          <a:p>
+            <a:pPr>
+              <a:lnSpc>
+                <a:spcPct val="170000"/>
+              </a:lnSpc>
+            </a:pPr>
+            <a:r>
+              <a:rPr lang="en-US" sz="4900" dirty="0"/>
+              <a:t>is the increasing gap between the demand (population and wage growth) and supply (new housing construction). </a:t>
+            </a:r>
+          </a:p>
+          <a:p>
+            <a:pPr>
+              <a:lnSpc>
+                <a:spcPct val="170000"/>
+              </a:lnSpc>
+            </a:pPr>
+            <a:r>
+              <a:rPr lang="en-US" sz="4900" b="1" dirty="0"/>
+              <a:t>Model: time series analysis</a:t>
+            </a:r>
+          </a:p>
+          <a:p>
+            <a:pPr marL="571500" indent="-571500">
+              <a:lnSpc>
+                <a:spcPct val="170000"/>
+              </a:lnSpc>
+              <a:buFont typeface="Arial" panose="020B0604020202020204" pitchFamily="34" charset="0"/>
+              <a:buChar char="•"/>
+            </a:pPr>
+            <a:endParaRPr lang="en-US" sz="3600" dirty="0"/>
+          </a:p>
+        </p:txBody>
+      </p:sp>
     </p:spTree>
     <p:extLst>
       <p:ext uri="{BB962C8B-B14F-4D97-AF65-F5344CB8AC3E}">
-        <p14:creationId xmlns:p14="http://schemas.microsoft.com/office/powerpoint/2010/main" val="1469491426"/>
+        <p14:creationId xmlns:p14="http://schemas.microsoft.com/office/powerpoint/2010/main" val="2328639248"/>
       </p:ext>
     </p:extLst>
   </p:cSld>
   <p:clrMapOvr>
     <a:masterClrMapping/>
   </p:clrMapOvr>
+  <p:transition spd="slow">
+    <p:wipe/>
+  </p:transition>
   <p:timing>
     <p:tnLst>
       <p:par>
@@ -7973,8 +8105,8 @@
         </p:nvSpPr>
         <p:spPr>
           <a:xfrm>
-            <a:off x="6922008" y="1874520"/>
-            <a:ext cx="4370832" cy="4560570"/>
+            <a:off x="6837343" y="2093976"/>
+            <a:ext cx="4460236" cy="4391919"/>
           </a:xfrm>
           <a:prstGeom prst="rect">
             <a:avLst/>
@@ -8025,7 +8157,22 @@
               </a:lnSpc>
             </a:pPr>
             <a:r>
-              <a:rPr lang="en-US" sz="2200" u="sng" dirty="0">
+              <a:rPr lang="en-US" sz="2000" dirty="0">
+                <a:solidFill>
+                  <a:schemeClr val="tx1"/>
+                </a:solidFill>
+              </a:rPr>
+              <a:t>Model:</a:t>
+            </a:r>
+          </a:p>
+          <a:p>
+            <a:pPr algn="just">
+              <a:lnSpc>
+                <a:spcPct val="150000"/>
+              </a:lnSpc>
+            </a:pPr>
+            <a:r>
+              <a:rPr lang="en-US" sz="2000" u="sng" dirty="0">
                 <a:solidFill>
                   <a:schemeClr val="accent1"/>
                 </a:solidFill>
@@ -8040,7 +8187,7 @@
               </a:lnSpc>
             </a:pPr>
             <a:r>
-              <a:rPr lang="en-US" sz="2200" dirty="0"/>
+              <a:rPr lang="en-US" sz="2000" dirty="0"/>
               <a:t>Dependent variable : </a:t>
             </a:r>
           </a:p>
@@ -8053,8 +8200,19 @@
               <a:buChar char="•"/>
             </a:pPr>
             <a:r>
-              <a:rPr lang="en-US" sz="2200" dirty="0"/>
+              <a:rPr lang="en-US" sz="2000" dirty="0"/>
               <a:t>Median home price</a:t>
+            </a:r>
+          </a:p>
+          <a:p>
+            <a:pPr>
+              <a:lnSpc>
+                <a:spcPct val="150000"/>
+              </a:lnSpc>
+            </a:pPr>
+            <a:r>
+              <a:rPr lang="en-US" sz="2000" dirty="0"/>
+              <a:t>Predictor variables :</a:t>
             </a:r>
           </a:p>
           <a:p>
@@ -8065,17 +8223,9 @@
               <a:buFont typeface="Arial" panose="020B0604020202020204" pitchFamily="34" charset="0"/>
               <a:buChar char="•"/>
             </a:pPr>
-            <a:endParaRPr lang="en-US" sz="2200" dirty="0"/>
-          </a:p>
-          <a:p>
-            <a:pPr>
-              <a:lnSpc>
-                <a:spcPct val="150000"/>
-              </a:lnSpc>
-            </a:pPr>
-            <a:r>
-              <a:rPr lang="en-US" sz="2200" dirty="0"/>
-              <a:t>Predictor variables :</a:t>
+            <a:r>
+              <a:rPr lang="en-US" sz="2000" dirty="0"/>
+              <a:t>Average annual pay</a:t>
             </a:r>
           </a:p>
           <a:p>
@@ -8087,8 +8237,8 @@
               <a:buChar char="•"/>
             </a:pPr>
             <a:r>
-              <a:rPr lang="en-US" sz="2200" dirty="0"/>
-              <a:t>Average annual pay</a:t>
+              <a:rPr lang="en-US" sz="2000" dirty="0"/>
+              <a:t>Households</a:t>
             </a:r>
           </a:p>
           <a:p>
@@ -8100,25 +8250,109 @@
               <a:buChar char="•"/>
             </a:pPr>
             <a:r>
-              <a:rPr lang="en-US" sz="2200" dirty="0"/>
-              <a:t>Households</a:t>
-            </a:r>
-          </a:p>
-          <a:p>
-            <a:pPr marL="457200" indent="-457200">
-              <a:lnSpc>
-                <a:spcPct val="150000"/>
-              </a:lnSpc>
-              <a:buFont typeface="Arial" panose="020B0604020202020204" pitchFamily="34" charset="0"/>
-              <a:buChar char="•"/>
-            </a:pPr>
-            <a:r>
-              <a:rPr lang="en-US" sz="2200" dirty="0"/>
+              <a:rPr lang="en-US" sz="2000" dirty="0"/>
               <a:t>jobs</a:t>
             </a:r>
           </a:p>
         </p:txBody>
       </p:sp>
+      <p:sp>
+        <p:nvSpPr>
+          <p:cNvPr id="4" name="Rounded Rectangle 3">
+            <a:extLst>
+              <a:ext uri="{FF2B5EF4-FFF2-40B4-BE49-F238E27FC236}">
+                <a16:creationId xmlns:a16="http://schemas.microsoft.com/office/drawing/2014/main" id="{94B46EF8-1E7A-984E-A365-F8A3EC6CB4BA}"/>
+              </a:ext>
+            </a:extLst>
+          </p:cNvPr>
+          <p:cNvSpPr/>
+          <p:nvPr/>
+        </p:nvSpPr>
+        <p:spPr>
+          <a:xfrm>
+            <a:off x="571500" y="5164668"/>
+            <a:ext cx="4847167" cy="457200"/>
+          </a:xfrm>
+          <a:prstGeom prst="roundRect">
+            <a:avLst/>
+          </a:prstGeom>
+          <a:noFill/>
+          <a:ln>
+            <a:solidFill>
+              <a:srgbClr val="FF0000"/>
+            </a:solidFill>
+          </a:ln>
+        </p:spPr>
+        <p:style>
+          <a:lnRef idx="2">
+            <a:schemeClr val="accent1">
+              <a:shade val="50000"/>
+            </a:schemeClr>
+          </a:lnRef>
+          <a:fillRef idx="1">
+            <a:schemeClr val="accent1"/>
+          </a:fillRef>
+          <a:effectRef idx="0">
+            <a:schemeClr val="accent1"/>
+          </a:effectRef>
+          <a:fontRef idx="minor">
+            <a:schemeClr val="lt1"/>
+          </a:fontRef>
+        </p:style>
+        <p:txBody>
+          <a:bodyPr rtlCol="0" anchor="ctr"/>
+          <a:lstStyle/>
+          <a:p>
+            <a:pPr algn="ctr"/>
+            <a:endParaRPr lang="en-US"/>
+          </a:p>
+        </p:txBody>
+      </p:sp>
+      <p:pic>
+        <p:nvPicPr>
+          <p:cNvPr id="7" name="Picture 6">
+            <a:extLst>
+              <a:ext uri="{FF2B5EF4-FFF2-40B4-BE49-F238E27FC236}">
+                <a16:creationId xmlns:a16="http://schemas.microsoft.com/office/drawing/2014/main" id="{787C9728-8E25-1148-89E5-E6F362905D0D}"/>
+              </a:ext>
+            </a:extLst>
+          </p:cNvPr>
+          <p:cNvPicPr>
+            <a:picLocks noChangeAspect="1"/>
+          </p:cNvPicPr>
+          <p:nvPr/>
+        </p:nvPicPr>
+        <p:blipFill rotWithShape="1">
+          <a:blip r:embed="rId4">
+            <a:extLst>
+              <a:ext uri="{28A0092B-C50C-407E-A947-70E740481C1C}">
+                <a14:useLocalDpi xmlns:a14="http://schemas.microsoft.com/office/drawing/2010/main" val="0"/>
+              </a:ext>
+            </a:extLst>
+          </a:blip>
+          <a:srcRect l="11179" t="3009" b="8397"/>
+          <a:stretch/>
+        </p:blipFill>
+        <p:spPr>
+          <a:xfrm>
+            <a:off x="6949441" y="2578608"/>
+            <a:ext cx="3833198" cy="3696784"/>
+          </a:xfrm>
+          <a:prstGeom prst="rect">
+            <a:avLst/>
+          </a:prstGeom>
+          <a:ln>
+            <a:noFill/>
+          </a:ln>
+          <a:effectLst>
+            <a:outerShdw blurRad="292100" dist="139700" dir="2700000" algn="tl" rotWithShape="0">
+              <a:srgbClr val="333333">
+                <a:alpha val="65000"/>
+              </a:srgbClr>
+            </a:outerShdw>
+          </a:effectLst>
+        </p:spPr>
+      </p:pic>
     </p:spTree>
     <p:extLst>
       <p:ext uri="{BB962C8B-B14F-4D97-AF65-F5344CB8AC3E}">
@@ -8129,6 +8363,9 @@
   <p:clrMapOvr>
     <a:masterClrMapping/>
   </p:clrMapOvr>
+  <p:transition spd="slow">
+    <p:wipe/>
+  </p:transition>
   <p:timing>
     <p:tnLst>
       <p:par>
@@ -8150,7 +8387,7 @@
                             </p:stCondLst>
                             <p:childTnLst>
                               <p:par>
-                                <p:cTn id="5" presetID="9" presetClass="entr" presetSubtype="0" fill="hold" grpId="0" nodeType="clickEffect">
+                                <p:cTn id="5" presetID="5" presetClass="entr" presetSubtype="10" fill="hold" nodeType="clickEffect">
                                   <p:stCondLst>
                                     <p:cond delay="0"/>
                                   </p:stCondLst>
@@ -8158,6 +8395,104 @@
                                     <p:set>
                                       <p:cBhvr>
                                         <p:cTn id="6" dur="1" fill="hold">
+                                          <p:stCondLst>
+                                            <p:cond delay="0"/>
+                                          </p:stCondLst>
+                                        </p:cTn>
+                                        <p:tgtEl>
+                                          <p:spTgt spid="7"/>
+                                        </p:tgtEl>
+                                        <p:attrNameLst>
+                                          <p:attrName>style.visibility</p:attrName>
+                                        </p:attrNameLst>
+                                      </p:cBhvr>
+                                      <p:to>
+                                        <p:strVal val="visible"/>
+                                      </p:to>
+                                    </p:set>
+                                    <p:animEffect transition="in" filter="checkerboard(across)">
+                                      <p:cBhvr>
+                                        <p:cTn id="7" dur="500"/>
+                                        <p:tgtEl>
+                                          <p:spTgt spid="7"/>
+                                        </p:tgtEl>
+                                      </p:cBhvr>
+                                    </p:animEffect>
+                                  </p:childTnLst>
+                                </p:cTn>
+                              </p:par>
+                            </p:childTnLst>
+                          </p:cTn>
+                        </p:par>
+                      </p:childTnLst>
+                    </p:cTn>
+                  </p:par>
+                  <p:par>
+                    <p:cTn id="8" fill="hold">
+                      <p:stCondLst>
+                        <p:cond delay="indefinite"/>
+                      </p:stCondLst>
+                      <p:childTnLst>
+                        <p:par>
+                          <p:cTn id="9" fill="hold">
+                            <p:stCondLst>
+                              <p:cond delay="0"/>
+                            </p:stCondLst>
+                            <p:childTnLst>
+                              <p:par>
+                                <p:cTn id="10" presetID="1" presetClass="exit" presetSubtype="0" fill="hold" nodeType="clickEffect">
+                                  <p:stCondLst>
+                                    <p:cond delay="0"/>
+                                  </p:stCondLst>
+                                  <p:childTnLst>
+                                    <p:set>
+                                      <p:cBhvr>
+                                        <p:cTn id="11" dur="1" fill="hold">
+                                          <p:stCondLst>
+                                            <p:cond delay="0"/>
+                                          </p:stCondLst>
+                                        </p:cTn>
+                                        <p:tgtEl>
+                                          <p:spTgt spid="7"/>
+                                        </p:tgtEl>
+                                        <p:attrNameLst>
+                                          <p:attrName>style.visibility</p:attrName>
+                                        </p:attrNameLst>
+                                      </p:cBhvr>
+                                      <p:to>
+                                        <p:strVal val="hidden"/>
+                                      </p:to>
+                                    </p:set>
+                                  </p:childTnLst>
+                                </p:cTn>
+                              </p:par>
+                            </p:childTnLst>
+                          </p:cTn>
+                        </p:par>
+                      </p:childTnLst>
+                    </p:cTn>
+                  </p:par>
+                  <p:par>
+                    <p:cTn id="12" fill="hold">
+                      <p:stCondLst>
+                        <p:cond delay="indefinite"/>
+                      </p:stCondLst>
+                      <p:childTnLst>
+                        <p:par>
+                          <p:cTn id="13" fill="hold">
+                            <p:stCondLst>
+                              <p:cond delay="0"/>
+                            </p:stCondLst>
+                            <p:childTnLst>
+                              <p:par>
+                                <p:cTn id="14" presetID="2" presetClass="entr" presetSubtype="4" fill="hold" grpId="0" nodeType="clickEffect">
+                                  <p:stCondLst>
+                                    <p:cond delay="0"/>
+                                  </p:stCondLst>
+                                  <p:childTnLst>
+                                    <p:set>
+                                      <p:cBhvr>
+                                        <p:cTn id="15" dur="1" fill="hold">
                                           <p:stCondLst>
                                             <p:cond delay="0"/>
                                           </p:stCondLst>
@@ -8173,14 +8508,52 @@
                                         <p:strVal val="visible"/>
                                       </p:to>
                                     </p:set>
-                                    <p:animEffect transition="in" filter="dissolve">
-                                      <p:cBhvr>
-                                        <p:cTn id="7" dur="500"/>
+                                    <p:anim calcmode="lin" valueType="num">
+                                      <p:cBhvr additive="base">
+                                        <p:cTn id="16" dur="500" fill="hold"/>
                                         <p:tgtEl>
                                           <p:spTgt spid="14"/>
                                         </p:tgtEl>
+                                        <p:attrNameLst>
+                                          <p:attrName>ppt_x</p:attrName>
+                                        </p:attrNameLst>
                                       </p:cBhvr>
-                                    </p:animEffect>
+                                      <p:tavLst>
+                                        <p:tav tm="0">
+                                          <p:val>
+                                            <p:strVal val="#ppt_x"/>
+                                          </p:val>
+                                        </p:tav>
+                                        <p:tav tm="100000">
+                                          <p:val>
+                                            <p:strVal val="#ppt_x"/>
+                                          </p:val>
+                                        </p:tav>
+                                      </p:tavLst>
+                                    </p:anim>
+                                    <p:anim calcmode="lin" valueType="num">
+                                      <p:cBhvr additive="base">
+                                        <p:cTn id="17" dur="500" fill="hold"/>
+                                        <p:tgtEl>
+                                          <p:spTgt spid="14"/>
+                                        </p:tgtEl>
+                                        <p:attrNameLst>
+                                          <p:attrName>ppt_y</p:attrName>
+                                        </p:attrNameLst>
+                                      </p:cBhvr>
+                                      <p:tavLst>
+                                        <p:tav tm="0">
+                                          <p:val>
+                                            <p:strVal val="1+#ppt_h/2"/>
+                                          </p:val>
+                                        </p:tav>
+                                        <p:tav tm="100000">
+                                          <p:val>
+                                            <p:strVal val="#ppt_y"/>
+                                          </p:val>
+                                        </p:tav>
+                                      </p:tavLst>
+                                    </p:anim>
                                   </p:childTnLst>
                                 </p:cTn>
                               </p:par>
@@ -8219,6 +8592,1046 @@
 </file>
 
 <file path=ppt/slides/slide7.xml><?xml version="1.0" encoding="utf-8"?>
+<p:sld xmlns:a="http://schemas.openxmlformats.org/drawingml/2006/main" xmlns:r="http://schemas.openxmlformats.org/officeDocument/2006/relationships" xmlns:p="http://schemas.openxmlformats.org/presentationml/2006/main">
+  <p:cSld>
+    <p:spTree>
+      <p:nvGrpSpPr>
+        <p:cNvPr id="1" name=""/>
+        <p:cNvGrpSpPr/>
+        <p:nvPr/>
+      </p:nvGrpSpPr>
+      <p:grpSpPr>
+        <a:xfrm>
+          <a:off x="0" y="0"/>
+          <a:ext cx="0" cy="0"/>
+          <a:chOff x="0" y="0"/>
+          <a:chExt cx="0" cy="0"/>
+        </a:xfrm>
+      </p:grpSpPr>
+      <p:pic>
+        <p:nvPicPr>
+          <p:cNvPr id="5" name="Content Placeholder 4">
+            <a:extLst>
+              <a:ext uri="{FF2B5EF4-FFF2-40B4-BE49-F238E27FC236}">
+                <a16:creationId xmlns:a16="http://schemas.microsoft.com/office/drawing/2014/main" id="{2C012482-F74E-3047-85B3-44AB4EB50FF2}"/>
+              </a:ext>
+            </a:extLst>
+          </p:cNvPr>
+          <p:cNvPicPr>
+            <a:picLocks noGrp="1" noChangeAspect="1"/>
+          </p:cNvPicPr>
+          <p:nvPr>
+            <p:ph idx="1"/>
+          </p:nvPr>
+        </p:nvPicPr>
+        <p:blipFill>
+          <a:blip r:embed="rId2">
+            <a:duotone>
+              <a:schemeClr val="bg2">
+                <a:shade val="45000"/>
+                <a:satMod val="135000"/>
+              </a:schemeClr>
+              <a:prstClr val="white"/>
+            </a:duotone>
+            <a:alphaModFix amt="50000"/>
+            <a:extLst>
+              <a:ext uri="{28A0092B-C50C-407E-A947-70E740481C1C}">
+                <a14:useLocalDpi xmlns:a14="http://schemas.microsoft.com/office/drawing/2010/main" val="0"/>
+              </a:ext>
+            </a:extLst>
+          </a:blip>
+          <a:stretch>
+            <a:fillRect/>
+          </a:stretch>
+        </p:blipFill>
+        <p:spPr>
+          <a:xfrm>
+            <a:off x="-1" y="0"/>
+            <a:ext cx="12192001" cy="6858000"/>
+          </a:xfrm>
+          <a:prstGeom prst="rect">
+            <a:avLst/>
+          </a:prstGeom>
+          <a:ln>
+            <a:noFill/>
+          </a:ln>
+          <a:effectLst>
+            <a:softEdge rad="112500"/>
+          </a:effectLst>
+        </p:spPr>
+      </p:pic>
+      <p:sp>
+        <p:nvSpPr>
+          <p:cNvPr id="13" name="Rounded Rectangle 12">
+            <a:extLst>
+              <a:ext uri="{FF2B5EF4-FFF2-40B4-BE49-F238E27FC236}">
+                <a16:creationId xmlns:a16="http://schemas.microsoft.com/office/drawing/2014/main" id="{8CF1E05B-3331-CF48-8C7C-2A0F28DFFCCD}"/>
+              </a:ext>
+            </a:extLst>
+          </p:cNvPr>
+          <p:cNvSpPr/>
+          <p:nvPr/>
+        </p:nvSpPr>
+        <p:spPr>
+          <a:xfrm>
+            <a:off x="993675" y="2440599"/>
+            <a:ext cx="9301788" cy="4180331"/>
+          </a:xfrm>
+          <a:prstGeom prst="roundRect">
+            <a:avLst/>
+          </a:prstGeom>
+          <a:solidFill>
+            <a:schemeClr val="accent1">
+              <a:lumMod val="20000"/>
+              <a:lumOff val="80000"/>
+            </a:schemeClr>
+          </a:solidFill>
+          <a:effectLst>
+            <a:softEdge rad="88900"/>
+          </a:effectLst>
+        </p:spPr>
+        <p:style>
+          <a:lnRef idx="2">
+            <a:schemeClr val="accent1">
+              <a:shade val="50000"/>
+            </a:schemeClr>
+          </a:lnRef>
+          <a:fillRef idx="1">
+            <a:schemeClr val="accent1"/>
+          </a:fillRef>
+          <a:effectRef idx="0">
+            <a:schemeClr val="accent1"/>
+          </a:effectRef>
+          <a:fontRef idx="minor">
+            <a:schemeClr val="lt1"/>
+          </a:fontRef>
+        </p:style>
+        <p:txBody>
+          <a:bodyPr rtlCol="0" anchor="ctr"/>
+          <a:lstStyle/>
+          <a:p>
+            <a:pPr algn="ctr"/>
+            <a:endParaRPr lang="en-US"/>
+          </a:p>
+        </p:txBody>
+      </p:sp>
+      <p:sp>
+        <p:nvSpPr>
+          <p:cNvPr id="2" name="Title 1">
+            <a:extLst>
+              <a:ext uri="{FF2B5EF4-FFF2-40B4-BE49-F238E27FC236}">
+                <a16:creationId xmlns:a16="http://schemas.microsoft.com/office/drawing/2014/main" id="{3CF7CCCE-CA30-024F-9CDD-469D4D42ECAC}"/>
+              </a:ext>
+            </a:extLst>
+          </p:cNvPr>
+          <p:cNvSpPr>
+            <a:spLocks noGrp="1"/>
+          </p:cNvSpPr>
+          <p:nvPr>
+            <p:ph type="title"/>
+          </p:nvPr>
+        </p:nvSpPr>
+        <p:spPr/>
+        <p:txBody>
+          <a:bodyPr/>
+          <a:lstStyle/>
+          <a:p>
+            <a:r>
+              <a:rPr lang="en-US" dirty="0"/>
+              <a:t>Machine learning model</a:t>
+            </a:r>
+          </a:p>
+        </p:txBody>
+      </p:sp>
+      <p:cxnSp>
+        <p:nvCxnSpPr>
+          <p:cNvPr id="9" name="Straight Connector 8">
+            <a:extLst>
+              <a:ext uri="{FF2B5EF4-FFF2-40B4-BE49-F238E27FC236}">
+                <a16:creationId xmlns:a16="http://schemas.microsoft.com/office/drawing/2014/main" id="{04B6FB79-5795-BA45-B9FB-E548DE6E2F07}"/>
+              </a:ext>
+            </a:extLst>
+          </p:cNvPr>
+          <p:cNvCxnSpPr/>
+          <p:nvPr/>
+        </p:nvCxnSpPr>
+        <p:spPr>
+          <a:xfrm>
+            <a:off x="274320" y="1703070"/>
+            <a:ext cx="11578590" cy="0"/>
+          </a:xfrm>
+          <a:prstGeom prst="line">
+            <a:avLst/>
+          </a:prstGeom>
+        </p:spPr>
+        <p:style>
+          <a:lnRef idx="1">
+            <a:schemeClr val="accent1"/>
+          </a:lnRef>
+          <a:fillRef idx="0">
+            <a:schemeClr val="accent1"/>
+          </a:fillRef>
+          <a:effectRef idx="0">
+            <a:schemeClr val="accent1"/>
+          </a:effectRef>
+          <a:fontRef idx="minor">
+            <a:schemeClr val="tx1"/>
+          </a:fontRef>
+        </p:style>
+      </p:cxnSp>
+      <p:sp>
+        <p:nvSpPr>
+          <p:cNvPr id="8" name="Title 1">
+            <a:extLst>
+              <a:ext uri="{FF2B5EF4-FFF2-40B4-BE49-F238E27FC236}">
+                <a16:creationId xmlns:a16="http://schemas.microsoft.com/office/drawing/2014/main" id="{B7729041-EE3D-564E-AAEF-15DCA5CBF725}"/>
+              </a:ext>
+            </a:extLst>
+          </p:cNvPr>
+          <p:cNvSpPr txBox="1">
+            <a:spLocks/>
+          </p:cNvSpPr>
+          <p:nvPr/>
+        </p:nvSpPr>
+        <p:spPr>
+          <a:xfrm>
+            <a:off x="1073658" y="1802131"/>
+            <a:ext cx="10850118" cy="776477"/>
+          </a:xfrm>
+          <a:prstGeom prst="rect">
+            <a:avLst/>
+          </a:prstGeom>
+          <a:effectLst>
+            <a:softEdge rad="31750"/>
+          </a:effectLst>
+        </p:spPr>
+        <p:txBody>
+          <a:bodyPr vert="horz" lIns="91440" tIns="45720" rIns="91440" bIns="45720" rtlCol="0" anchor="ctr">
+            <a:normAutofit fontScale="32500" lnSpcReduction="20000"/>
+          </a:bodyPr>
+          <a:lstStyle>
+            <a:lvl1pPr algn="l" defTabSz="914400" rtl="0" eaLnBrk="1" latinLnBrk="0" hangingPunct="1">
+              <a:lnSpc>
+                <a:spcPct val="90000"/>
+              </a:lnSpc>
+              <a:spcBef>
+                <a:spcPct val="0"/>
+              </a:spcBef>
+              <a:buNone/>
+              <a:defRPr sz="5400" kern="1200" cap="all" baseline="0">
+                <a:blipFill>
+                  <a:blip r:embed="rId3">
+                    <a:extLst>
+                      <a:ext uri="{28A0092B-C50C-407E-A947-70E740481C1C}">
+                        <a14:useLocalDpi xmlns:a14="http://schemas.microsoft.com/office/drawing/2010/main" val="0"/>
+                      </a:ext>
+                    </a:extLst>
+                  </a:blip>
+                  <a:tile tx="6350" ty="-127000" sx="65000" sy="64000" flip="none" algn="tl"/>
+                </a:blipFill>
+                <a:latin typeface="+mj-lt"/>
+                <a:ea typeface="+mj-ea"/>
+                <a:cs typeface="+mj-cs"/>
+              </a:defRPr>
+            </a:lvl1pPr>
+          </a:lstStyle>
+          <a:p>
+            <a:pPr>
+              <a:lnSpc>
+                <a:spcPct val="170000"/>
+              </a:lnSpc>
+            </a:pPr>
+            <a:r>
+              <a:rPr lang="en-US" sz="7200" dirty="0">
+                <a:solidFill>
+                  <a:schemeClr val="tx2"/>
+                </a:solidFill>
+              </a:rPr>
+              <a:t>After running machine learning model, our initial hypothesis did not give expected results. </a:t>
+            </a:r>
+            <a:endParaRPr lang="en-US" sz="4800" dirty="0">
+              <a:solidFill>
+                <a:schemeClr val="tx2"/>
+              </a:solidFill>
+            </a:endParaRPr>
+          </a:p>
+          <a:p>
+            <a:pPr marL="571500" indent="-571500">
+              <a:lnSpc>
+                <a:spcPct val="170000"/>
+              </a:lnSpc>
+              <a:buFont typeface="Arial" panose="020B0604020202020204" pitchFamily="34" charset="0"/>
+              <a:buChar char="•"/>
+            </a:pPr>
+            <a:endParaRPr lang="en-US" sz="3600" dirty="0"/>
+          </a:p>
+        </p:txBody>
+      </p:sp>
+      <p:sp>
+        <p:nvSpPr>
+          <p:cNvPr id="11" name="Title 1">
+            <a:extLst>
+              <a:ext uri="{FF2B5EF4-FFF2-40B4-BE49-F238E27FC236}">
+                <a16:creationId xmlns:a16="http://schemas.microsoft.com/office/drawing/2014/main" id="{F77DFA56-AFF6-8644-A73C-09CBBAC6BFDF}"/>
+              </a:ext>
+            </a:extLst>
+          </p:cNvPr>
+          <p:cNvSpPr txBox="1">
+            <a:spLocks/>
+          </p:cNvSpPr>
+          <p:nvPr/>
+        </p:nvSpPr>
+        <p:spPr>
+          <a:xfrm>
+            <a:off x="1251998" y="2897955"/>
+            <a:ext cx="10979442" cy="1196374"/>
+          </a:xfrm>
+          <a:prstGeom prst="rect">
+            <a:avLst/>
+          </a:prstGeom>
+        </p:spPr>
+        <p:txBody>
+          <a:bodyPr vert="horz" lIns="91440" tIns="45720" rIns="91440" bIns="45720" rtlCol="0" anchor="ctr">
+            <a:normAutofit fontScale="85000" lnSpcReduction="20000"/>
+          </a:bodyPr>
+          <a:lstStyle>
+            <a:lvl1pPr algn="l" defTabSz="914400" rtl="0" eaLnBrk="1" latinLnBrk="0" hangingPunct="1">
+              <a:lnSpc>
+                <a:spcPct val="90000"/>
+              </a:lnSpc>
+              <a:spcBef>
+                <a:spcPct val="0"/>
+              </a:spcBef>
+              <a:buNone/>
+              <a:defRPr sz="5400" kern="1200" cap="all" baseline="0">
+                <a:blipFill>
+                  <a:blip r:embed="rId3">
+                    <a:extLst>
+                      <a:ext uri="{28A0092B-C50C-407E-A947-70E740481C1C}">
+                        <a14:useLocalDpi xmlns:a14="http://schemas.microsoft.com/office/drawing/2010/main" val="0"/>
+                      </a:ext>
+                    </a:extLst>
+                  </a:blip>
+                  <a:tile tx="6350" ty="-127000" sx="65000" sy="64000" flip="none" algn="tl"/>
+                </a:blipFill>
+                <a:latin typeface="+mj-lt"/>
+                <a:ea typeface="+mj-ea"/>
+                <a:cs typeface="+mj-cs"/>
+              </a:defRPr>
+            </a:lvl1pPr>
+          </a:lstStyle>
+          <a:p>
+            <a:pPr>
+              <a:lnSpc>
+                <a:spcPct val="170000"/>
+              </a:lnSpc>
+            </a:pPr>
+            <a:r>
+              <a:rPr lang="en-US" sz="2900" dirty="0">
+                <a:solidFill>
+                  <a:schemeClr val="accent1"/>
+                </a:solidFill>
+              </a:rPr>
+              <a:t>Final hypothesis</a:t>
+            </a:r>
+            <a:r>
+              <a:rPr lang="en-US" sz="2900" dirty="0"/>
+              <a:t> </a:t>
+            </a:r>
+            <a:r>
+              <a:rPr lang="en-US" sz="2600" dirty="0"/>
+              <a:t>- The median annual home price in bay-area is a function of </a:t>
+            </a:r>
+          </a:p>
+          <a:p>
+            <a:pPr>
+              <a:lnSpc>
+                <a:spcPct val="170000"/>
+              </a:lnSpc>
+            </a:pPr>
+            <a:r>
+              <a:rPr lang="en-US" sz="2600" dirty="0"/>
+              <a:t>                        average annual pay, no. of households &amp; jobs.</a:t>
+            </a:r>
+          </a:p>
+          <a:p>
+            <a:pPr>
+              <a:lnSpc>
+                <a:spcPct val="170000"/>
+              </a:lnSpc>
+            </a:pPr>
+            <a:endParaRPr lang="en-US" sz="2600" dirty="0"/>
+          </a:p>
+        </p:txBody>
+      </p:sp>
+      <p:sp>
+        <p:nvSpPr>
+          <p:cNvPr id="3" name="TextBox 2">
+            <a:extLst>
+              <a:ext uri="{FF2B5EF4-FFF2-40B4-BE49-F238E27FC236}">
+                <a16:creationId xmlns:a16="http://schemas.microsoft.com/office/drawing/2014/main" id="{AAD0CB3A-97C2-7642-8CB8-7FDB83C2052E}"/>
+              </a:ext>
+            </a:extLst>
+          </p:cNvPr>
+          <p:cNvSpPr txBox="1"/>
+          <p:nvPr/>
+        </p:nvSpPr>
+        <p:spPr>
+          <a:xfrm>
+            <a:off x="3474771" y="3779557"/>
+            <a:ext cx="2795478" cy="2608022"/>
+          </a:xfrm>
+          <a:prstGeom prst="rect">
+            <a:avLst/>
+          </a:prstGeom>
+          <a:noFill/>
+        </p:spPr>
+        <p:txBody>
+          <a:bodyPr wrap="square" rtlCol="0">
+            <a:spAutoFit/>
+          </a:bodyPr>
+          <a:lstStyle/>
+          <a:p>
+            <a:pPr>
+              <a:lnSpc>
+                <a:spcPct val="150000"/>
+              </a:lnSpc>
+            </a:pPr>
+            <a:r>
+              <a:rPr lang="en-US" sz="1600" dirty="0"/>
+              <a:t>y = m</a:t>
+            </a:r>
+            <a:r>
+              <a:rPr lang="en-US" sz="1600" baseline="-25000" dirty="0"/>
+              <a:t>o</a:t>
+            </a:r>
+            <a:r>
+              <a:rPr lang="en-US" sz="1600" dirty="0"/>
+              <a:t>X</a:t>
+            </a:r>
+            <a:r>
+              <a:rPr lang="en-US" sz="1600" baseline="-25000" dirty="0"/>
+              <a:t>o </a:t>
+            </a:r>
+            <a:r>
+              <a:rPr lang="en-US" sz="1600" dirty="0"/>
+              <a:t>+ m</a:t>
+            </a:r>
+            <a:r>
+              <a:rPr lang="en-US" sz="1600" baseline="-25000" dirty="0"/>
+              <a:t>1</a:t>
+            </a:r>
+            <a:r>
+              <a:rPr lang="en-US" sz="1600" dirty="0"/>
+              <a:t>X</a:t>
+            </a:r>
+            <a:r>
+              <a:rPr lang="en-US" sz="1600" baseline="-25000" dirty="0"/>
+              <a:t>1 </a:t>
+            </a:r>
+            <a:r>
+              <a:rPr lang="en-US" sz="1600" dirty="0"/>
+              <a:t>+ m</a:t>
+            </a:r>
+            <a:r>
+              <a:rPr lang="en-US" sz="1600" baseline="-25000" dirty="0"/>
+              <a:t>2</a:t>
+            </a:r>
+            <a:r>
+              <a:rPr lang="en-US" sz="1600" dirty="0"/>
+              <a:t>X</a:t>
+            </a:r>
+            <a:r>
+              <a:rPr lang="en-US" sz="1600" baseline="-25000" dirty="0"/>
+              <a:t>2 </a:t>
+            </a:r>
+            <a:r>
+              <a:rPr lang="en-US" sz="1600" dirty="0"/>
+              <a:t>+ b</a:t>
+            </a:r>
+            <a:endParaRPr lang="en-US" sz="1600" baseline="-25000" dirty="0"/>
+          </a:p>
+          <a:p>
+            <a:pPr>
+              <a:lnSpc>
+                <a:spcPct val="150000"/>
+              </a:lnSpc>
+            </a:pPr>
+            <a:endParaRPr lang="en-US" sz="1600" baseline="-25000" dirty="0"/>
+          </a:p>
+          <a:p>
+            <a:pPr>
+              <a:lnSpc>
+                <a:spcPct val="150000"/>
+              </a:lnSpc>
+            </a:pPr>
+            <a:r>
+              <a:rPr lang="en-US" sz="1400" dirty="0"/>
+              <a:t>y</a:t>
+            </a:r>
+            <a:r>
+              <a:rPr lang="en-US" sz="1400" baseline="-25000" dirty="0"/>
+              <a:t> </a:t>
+            </a:r>
+            <a:r>
+              <a:rPr lang="en-US" sz="1400" dirty="0"/>
+              <a:t>=</a:t>
+            </a:r>
+            <a:r>
+              <a:rPr lang="en-US" sz="1400" baseline="-25000" dirty="0"/>
+              <a:t> </a:t>
+            </a:r>
+            <a:r>
+              <a:rPr lang="en-US" sz="1400" dirty="0"/>
+              <a:t>Median Annual Home Price </a:t>
+            </a:r>
+          </a:p>
+          <a:p>
+            <a:pPr>
+              <a:lnSpc>
+                <a:spcPct val="150000"/>
+              </a:lnSpc>
+            </a:pPr>
+            <a:r>
+              <a:rPr lang="en-US" sz="1400" dirty="0"/>
+              <a:t>X</a:t>
+            </a:r>
+            <a:r>
+              <a:rPr lang="en-US" sz="1400" baseline="-25000" dirty="0"/>
+              <a:t>o</a:t>
+            </a:r>
+            <a:r>
+              <a:rPr lang="en-US" sz="1400" dirty="0"/>
+              <a:t> = Average Annual Pay, </a:t>
+            </a:r>
+          </a:p>
+          <a:p>
+            <a:pPr>
+              <a:lnSpc>
+                <a:spcPct val="150000"/>
+              </a:lnSpc>
+            </a:pPr>
+            <a:r>
+              <a:rPr lang="en-US" sz="1400" dirty="0"/>
+              <a:t>X</a:t>
+            </a:r>
+            <a:r>
+              <a:rPr lang="en-US" sz="1400" baseline="-25000" dirty="0"/>
+              <a:t>1</a:t>
+            </a:r>
+            <a:r>
+              <a:rPr lang="en-US" sz="1400" dirty="0"/>
+              <a:t> = No. of Households </a:t>
+            </a:r>
+          </a:p>
+          <a:p>
+            <a:pPr>
+              <a:lnSpc>
+                <a:spcPct val="150000"/>
+              </a:lnSpc>
+            </a:pPr>
+            <a:r>
+              <a:rPr lang="en-US" sz="1400" dirty="0"/>
+              <a:t>X</a:t>
+            </a:r>
+            <a:r>
+              <a:rPr lang="en-US" sz="1400" baseline="-25000" dirty="0"/>
+              <a:t>2</a:t>
+            </a:r>
+            <a:r>
+              <a:rPr lang="en-US" sz="1400" dirty="0"/>
+              <a:t> = Jobs</a:t>
+            </a:r>
+          </a:p>
+          <a:p>
+            <a:pPr>
+              <a:lnSpc>
+                <a:spcPct val="150000"/>
+              </a:lnSpc>
+            </a:pPr>
+            <a:r>
+              <a:rPr lang="en-US" sz="1400" dirty="0"/>
+              <a:t>m = Multipliers/Coefficients</a:t>
+            </a:r>
+          </a:p>
+          <a:p>
+            <a:pPr>
+              <a:lnSpc>
+                <a:spcPct val="150000"/>
+              </a:lnSpc>
+            </a:pPr>
+            <a:r>
+              <a:rPr lang="en-US" sz="1400" dirty="0"/>
+              <a:t>b = Y-Intercept</a:t>
+            </a:r>
+          </a:p>
+        </p:txBody>
+      </p:sp>
+      <p:sp>
+        <p:nvSpPr>
+          <p:cNvPr id="12" name="Title 1">
+            <a:extLst>
+              <a:ext uri="{FF2B5EF4-FFF2-40B4-BE49-F238E27FC236}">
+                <a16:creationId xmlns:a16="http://schemas.microsoft.com/office/drawing/2014/main" id="{D861A155-C9DE-1B42-92CA-ECEC8E96B0EB}"/>
+              </a:ext>
+            </a:extLst>
+          </p:cNvPr>
+          <p:cNvSpPr txBox="1">
+            <a:spLocks/>
+          </p:cNvSpPr>
+          <p:nvPr/>
+        </p:nvSpPr>
+        <p:spPr>
+          <a:xfrm>
+            <a:off x="1083558" y="5230798"/>
+            <a:ext cx="10850118" cy="1096547"/>
+          </a:xfrm>
+          <a:prstGeom prst="rect">
+            <a:avLst/>
+          </a:prstGeom>
+        </p:spPr>
+        <p:txBody>
+          <a:bodyPr vert="horz" lIns="91440" tIns="45720" rIns="91440" bIns="45720" rtlCol="0" anchor="ctr">
+            <a:normAutofit/>
+          </a:bodyPr>
+          <a:lstStyle>
+            <a:lvl1pPr algn="l" defTabSz="914400" rtl="0" eaLnBrk="1" latinLnBrk="0" hangingPunct="1">
+              <a:lnSpc>
+                <a:spcPct val="90000"/>
+              </a:lnSpc>
+              <a:spcBef>
+                <a:spcPct val="0"/>
+              </a:spcBef>
+              <a:buNone/>
+              <a:defRPr sz="5400" kern="1200" cap="all" baseline="0">
+                <a:blipFill>
+                  <a:blip r:embed="rId3">
+                    <a:extLst>
+                      <a:ext uri="{28A0092B-C50C-407E-A947-70E740481C1C}">
+                        <a14:useLocalDpi xmlns:a14="http://schemas.microsoft.com/office/drawing/2010/main" val="0"/>
+                      </a:ext>
+                    </a:extLst>
+                  </a:blip>
+                  <a:tile tx="6350" ty="-127000" sx="65000" sy="64000" flip="none" algn="tl"/>
+                </a:blipFill>
+                <a:latin typeface="+mj-lt"/>
+                <a:ea typeface="+mj-ea"/>
+                <a:cs typeface="+mj-cs"/>
+              </a:defRPr>
+            </a:lvl1pPr>
+          </a:lstStyle>
+          <a:p>
+            <a:pPr>
+              <a:lnSpc>
+                <a:spcPct val="170000"/>
+              </a:lnSpc>
+            </a:pPr>
+            <a:endParaRPr lang="en-US" sz="2600" dirty="0"/>
+          </a:p>
+          <a:p>
+            <a:pPr>
+              <a:lnSpc>
+                <a:spcPct val="170000"/>
+              </a:lnSpc>
+            </a:pPr>
+            <a:endParaRPr lang="en-US" sz="2600" dirty="0"/>
+          </a:p>
+        </p:txBody>
+      </p:sp>
+    </p:spTree>
+    <p:extLst>
+      <p:ext uri="{BB962C8B-B14F-4D97-AF65-F5344CB8AC3E}">
+        <p14:creationId xmlns:p14="http://schemas.microsoft.com/office/powerpoint/2010/main" val="1469491426"/>
+      </p:ext>
+    </p:extLst>
+  </p:cSld>
+  <p:clrMapOvr>
+    <a:masterClrMapping/>
+  </p:clrMapOvr>
+  <p:transition spd="slow">
+    <p:wipe/>
+  </p:transition>
+  <p:timing>
+    <p:tnLst>
+      <p:par>
+        <p:cTn id="1" dur="indefinite" restart="never" nodeType="tmRoot">
+          <p:childTnLst>
+            <p:seq concurrent="1" nextAc="seek">
+              <p:cTn id="2" dur="indefinite" nodeType="mainSeq">
+                <p:childTnLst>
+                  <p:par>
+                    <p:cTn id="3" fill="hold">
+                      <p:stCondLst>
+                        <p:cond delay="indefinite"/>
+                      </p:stCondLst>
+                      <p:childTnLst>
+                        <p:par>
+                          <p:cTn id="4" fill="hold">
+                            <p:stCondLst>
+                              <p:cond delay="0"/>
+                            </p:stCondLst>
+                            <p:childTnLst>
+                              <p:par>
+                                <p:cTn id="5" presetID="37" presetClass="entr" presetSubtype="0" fill="hold" grpId="0" nodeType="clickEffect">
+                                  <p:stCondLst>
+                                    <p:cond delay="0"/>
+                                  </p:stCondLst>
+                                  <p:childTnLst>
+                                    <p:set>
+                                      <p:cBhvr>
+                                        <p:cTn id="6" dur="1" fill="hold">
+                                          <p:stCondLst>
+                                            <p:cond delay="0"/>
+                                          </p:stCondLst>
+                                        </p:cTn>
+                                        <p:tgtEl>
+                                          <p:spTgt spid="11"/>
+                                        </p:tgtEl>
+                                        <p:attrNameLst>
+                                          <p:attrName>style.visibility</p:attrName>
+                                        </p:attrNameLst>
+                                      </p:cBhvr>
+                                      <p:to>
+                                        <p:strVal val="visible"/>
+                                      </p:to>
+                                    </p:set>
+                                    <p:animEffect transition="in" filter="fade">
+                                      <p:cBhvr>
+                                        <p:cTn id="7" dur="1000"/>
+                                        <p:tgtEl>
+                                          <p:spTgt spid="11"/>
+                                        </p:tgtEl>
+                                      </p:cBhvr>
+                                    </p:animEffect>
+                                    <p:anim calcmode="lin" valueType="num">
+                                      <p:cBhvr>
+                                        <p:cTn id="8" dur="1000" fill="hold"/>
+                                        <p:tgtEl>
+                                          <p:spTgt spid="11"/>
+                                        </p:tgtEl>
+                                        <p:attrNameLst>
+                                          <p:attrName>ppt_x</p:attrName>
+                                        </p:attrNameLst>
+                                      </p:cBhvr>
+                                      <p:tavLst>
+                                        <p:tav tm="0">
+                                          <p:val>
+                                            <p:strVal val="#ppt_x"/>
+                                          </p:val>
+                                        </p:tav>
+                                        <p:tav tm="100000">
+                                          <p:val>
+                                            <p:strVal val="#ppt_x"/>
+                                          </p:val>
+                                        </p:tav>
+                                      </p:tavLst>
+                                    </p:anim>
+                                    <p:anim calcmode="lin" valueType="num">
+                                      <p:cBhvr>
+                                        <p:cTn id="9" dur="900" decel="100000" fill="hold"/>
+                                        <p:tgtEl>
+                                          <p:spTgt spid="11"/>
+                                        </p:tgtEl>
+                                        <p:attrNameLst>
+                                          <p:attrName>ppt_y</p:attrName>
+                                        </p:attrNameLst>
+                                      </p:cBhvr>
+                                      <p:tavLst>
+                                        <p:tav tm="0">
+                                          <p:val>
+                                            <p:strVal val="#ppt_y+1"/>
+                                          </p:val>
+                                        </p:tav>
+                                        <p:tav tm="100000">
+                                          <p:val>
+                                            <p:strVal val="#ppt_y-.03"/>
+                                          </p:val>
+                                        </p:tav>
+                                      </p:tavLst>
+                                    </p:anim>
+                                    <p:anim calcmode="lin" valueType="num">
+                                      <p:cBhvr>
+                                        <p:cTn id="10" dur="100" accel="100000" fill="hold">
+                                          <p:stCondLst>
+                                            <p:cond delay="900"/>
+                                          </p:stCondLst>
+                                        </p:cTn>
+                                        <p:tgtEl>
+                                          <p:spTgt spid="11"/>
+                                        </p:tgtEl>
+                                        <p:attrNameLst>
+                                          <p:attrName>ppt_y</p:attrName>
+                                        </p:attrNameLst>
+                                      </p:cBhvr>
+                                      <p:tavLst>
+                                        <p:tav tm="0">
+                                          <p:val>
+                                            <p:strVal val="#ppt_y-.03"/>
+                                          </p:val>
+                                        </p:tav>
+                                        <p:tav tm="100000">
+                                          <p:val>
+                                            <p:strVal val="#ppt_y"/>
+                                          </p:val>
+                                        </p:tav>
+                                      </p:tavLst>
+                                    </p:anim>
+                                  </p:childTnLst>
+                                </p:cTn>
+                              </p:par>
+                              <p:par>
+                                <p:cTn id="11" presetID="37" presetClass="entr" presetSubtype="0" fill="hold" grpId="0" nodeType="withEffect">
+                                  <p:stCondLst>
+                                    <p:cond delay="0"/>
+                                  </p:stCondLst>
+                                  <p:childTnLst>
+                                    <p:set>
+                                      <p:cBhvr>
+                                        <p:cTn id="12" dur="1" fill="hold">
+                                          <p:stCondLst>
+                                            <p:cond delay="0"/>
+                                          </p:stCondLst>
+                                        </p:cTn>
+                                        <p:tgtEl>
+                                          <p:spTgt spid="13"/>
+                                        </p:tgtEl>
+                                        <p:attrNameLst>
+                                          <p:attrName>style.visibility</p:attrName>
+                                        </p:attrNameLst>
+                                      </p:cBhvr>
+                                      <p:to>
+                                        <p:strVal val="visible"/>
+                                      </p:to>
+                                    </p:set>
+                                    <p:animEffect transition="in" filter="fade">
+                                      <p:cBhvr>
+                                        <p:cTn id="13" dur="1000"/>
+                                        <p:tgtEl>
+                                          <p:spTgt spid="13"/>
+                                        </p:tgtEl>
+                                      </p:cBhvr>
+                                    </p:animEffect>
+                                    <p:anim calcmode="lin" valueType="num">
+                                      <p:cBhvr>
+                                        <p:cTn id="14" dur="1000" fill="hold"/>
+                                        <p:tgtEl>
+                                          <p:spTgt spid="13"/>
+                                        </p:tgtEl>
+                                        <p:attrNameLst>
+                                          <p:attrName>ppt_x</p:attrName>
+                                        </p:attrNameLst>
+                                      </p:cBhvr>
+                                      <p:tavLst>
+                                        <p:tav tm="0">
+                                          <p:val>
+                                            <p:strVal val="#ppt_x"/>
+                                          </p:val>
+                                        </p:tav>
+                                        <p:tav tm="100000">
+                                          <p:val>
+                                            <p:strVal val="#ppt_x"/>
+                                          </p:val>
+                                        </p:tav>
+                                      </p:tavLst>
+                                    </p:anim>
+                                    <p:anim calcmode="lin" valueType="num">
+                                      <p:cBhvr>
+                                        <p:cTn id="15" dur="900" decel="100000" fill="hold"/>
+                                        <p:tgtEl>
+                                          <p:spTgt spid="13"/>
+                                        </p:tgtEl>
+                                        <p:attrNameLst>
+                                          <p:attrName>ppt_y</p:attrName>
+                                        </p:attrNameLst>
+                                      </p:cBhvr>
+                                      <p:tavLst>
+                                        <p:tav tm="0">
+                                          <p:val>
+                                            <p:strVal val="#ppt_y+1"/>
+                                          </p:val>
+                                        </p:tav>
+                                        <p:tav tm="100000">
+                                          <p:val>
+                                            <p:strVal val="#ppt_y-.03"/>
+                                          </p:val>
+                                        </p:tav>
+                                      </p:tavLst>
+                                    </p:anim>
+                                    <p:anim calcmode="lin" valueType="num">
+                                      <p:cBhvr>
+                                        <p:cTn id="16" dur="100" accel="100000" fill="hold">
+                                          <p:stCondLst>
+                                            <p:cond delay="900"/>
+                                          </p:stCondLst>
+                                        </p:cTn>
+                                        <p:tgtEl>
+                                          <p:spTgt spid="13"/>
+                                        </p:tgtEl>
+                                        <p:attrNameLst>
+                                          <p:attrName>ppt_y</p:attrName>
+                                        </p:attrNameLst>
+                                      </p:cBhvr>
+                                      <p:tavLst>
+                                        <p:tav tm="0">
+                                          <p:val>
+                                            <p:strVal val="#ppt_y-.03"/>
+                                          </p:val>
+                                        </p:tav>
+                                        <p:tav tm="100000">
+                                          <p:val>
+                                            <p:strVal val="#ppt_y"/>
+                                          </p:val>
+                                        </p:tav>
+                                      </p:tavLst>
+                                    </p:anim>
+                                  </p:childTnLst>
+                                </p:cTn>
+                              </p:par>
+                              <p:par>
+                                <p:cTn id="17" presetID="37" presetClass="entr" presetSubtype="0" fill="hold" grpId="0" nodeType="withEffect">
+                                  <p:stCondLst>
+                                    <p:cond delay="0"/>
+                                  </p:stCondLst>
+                                  <p:childTnLst>
+                                    <p:set>
+                                      <p:cBhvr>
+                                        <p:cTn id="18" dur="1" fill="hold">
+                                          <p:stCondLst>
+                                            <p:cond delay="0"/>
+                                          </p:stCondLst>
+                                        </p:cTn>
+                                        <p:tgtEl>
+                                          <p:spTgt spid="3"/>
+                                        </p:tgtEl>
+                                        <p:attrNameLst>
+                                          <p:attrName>style.visibility</p:attrName>
+                                        </p:attrNameLst>
+                                      </p:cBhvr>
+                                      <p:to>
+                                        <p:strVal val="visible"/>
+                                      </p:to>
+                                    </p:set>
+                                    <p:animEffect transition="in" filter="fade">
+                                      <p:cBhvr>
+                                        <p:cTn id="19" dur="1000"/>
+                                        <p:tgtEl>
+                                          <p:spTgt spid="3"/>
+                                        </p:tgtEl>
+                                      </p:cBhvr>
+                                    </p:animEffect>
+                                    <p:anim calcmode="lin" valueType="num">
+                                      <p:cBhvr>
+                                        <p:cTn id="20" dur="1000" fill="hold"/>
+                                        <p:tgtEl>
+                                          <p:spTgt spid="3"/>
+                                        </p:tgtEl>
+                                        <p:attrNameLst>
+                                          <p:attrName>ppt_x</p:attrName>
+                                        </p:attrNameLst>
+                                      </p:cBhvr>
+                                      <p:tavLst>
+                                        <p:tav tm="0">
+                                          <p:val>
+                                            <p:strVal val="#ppt_x"/>
+                                          </p:val>
+                                        </p:tav>
+                                        <p:tav tm="100000">
+                                          <p:val>
+                                            <p:strVal val="#ppt_x"/>
+                                          </p:val>
+                                        </p:tav>
+                                      </p:tavLst>
+                                    </p:anim>
+                                    <p:anim calcmode="lin" valueType="num">
+                                      <p:cBhvr>
+                                        <p:cTn id="21" dur="900" decel="100000" fill="hold"/>
+                                        <p:tgtEl>
+                                          <p:spTgt spid="3"/>
+                                        </p:tgtEl>
+                                        <p:attrNameLst>
+                                          <p:attrName>ppt_y</p:attrName>
+                                        </p:attrNameLst>
+                                      </p:cBhvr>
+                                      <p:tavLst>
+                                        <p:tav tm="0">
+                                          <p:val>
+                                            <p:strVal val="#ppt_y+1"/>
+                                          </p:val>
+                                        </p:tav>
+                                        <p:tav tm="100000">
+                                          <p:val>
+                                            <p:strVal val="#ppt_y-.03"/>
+                                          </p:val>
+                                        </p:tav>
+                                      </p:tavLst>
+                                    </p:anim>
+                                    <p:anim calcmode="lin" valueType="num">
+                                      <p:cBhvr>
+                                        <p:cTn id="22" dur="100" accel="100000" fill="hold">
+                                          <p:stCondLst>
+                                            <p:cond delay="900"/>
+                                          </p:stCondLst>
+                                        </p:cTn>
+                                        <p:tgtEl>
+                                          <p:spTgt spid="3"/>
+                                        </p:tgtEl>
+                                        <p:attrNameLst>
+                                          <p:attrName>ppt_y</p:attrName>
+                                        </p:attrNameLst>
+                                      </p:cBhvr>
+                                      <p:tavLst>
+                                        <p:tav tm="0">
+                                          <p:val>
+                                            <p:strVal val="#ppt_y-.03"/>
+                                          </p:val>
+                                        </p:tav>
+                                        <p:tav tm="100000">
+                                          <p:val>
+                                            <p:strVal val="#ppt_y"/>
+                                          </p:val>
+                                        </p:tav>
+                                      </p:tavLst>
+                                    </p:anim>
+                                  </p:childTnLst>
+                                </p:cTn>
+                              </p:par>
+                            </p:childTnLst>
+                          </p:cTn>
+                        </p:par>
+                      </p:childTnLst>
+                    </p:cTn>
+                  </p:par>
+                </p:childTnLst>
+              </p:cTn>
+              <p:prevCondLst>
+                <p:cond evt="onPrev" delay="0">
+                  <p:tgtEl>
+                    <p:sldTgt/>
+                  </p:tgtEl>
+                </p:cond>
+              </p:prevCondLst>
+              <p:nextCondLst>
+                <p:cond evt="onNext" delay="0">
+                  <p:tgtEl>
+                    <p:sldTgt/>
+                  </p:tgtEl>
+                </p:cond>
+              </p:nextCondLst>
+            </p:seq>
+          </p:childTnLst>
+        </p:cTn>
+      </p:par>
+    </p:tnLst>
+    <p:bldLst>
+      <p:bldP spid="13" grpId="0" animBg="1"/>
+      <p:bldP spid="11" grpId="0"/>
+      <p:bldP spid="3" grpId="0"/>
+    </p:bldLst>
+  </p:timing>
+</p:sld>
+</file>
+
+<file path=ppt/slides/slide8.xml><?xml version="1.0" encoding="utf-8"?>
 <p:sld xmlns:a="http://schemas.openxmlformats.org/drawingml/2006/main" xmlns:r="http://schemas.openxmlformats.org/officeDocument/2006/relationships" xmlns:p="http://schemas.openxmlformats.org/presentationml/2006/main">
   <p:cSld>
     <p:spTree>
@@ -8563,6 +9976,9 @@
   <p:clrMapOvr>
     <a:masterClrMapping/>
   </p:clrMapOvr>
+  <p:transition spd="slow">
+    <p:wipe/>
+  </p:transition>
   <p:timing>
     <p:tnLst>
       <p:par>
